--- a/Objektum orientált Programozás.pptx
+++ b/Objektum orientált Programozás.pptx
@@ -7,13 +7,17 @@
   <p:sldIdLst>
     <p:sldId id="256" r:id="rId2"/>
     <p:sldId id="257" r:id="rId3"/>
-    <p:sldId id="258" r:id="rId4"/>
-    <p:sldId id="259" r:id="rId5"/>
-    <p:sldId id="260" r:id="rId6"/>
-    <p:sldId id="261" r:id="rId7"/>
-    <p:sldId id="262" r:id="rId8"/>
-    <p:sldId id="263" r:id="rId9"/>
-    <p:sldId id="264" r:id="rId10"/>
+    <p:sldId id="268" r:id="rId4"/>
+    <p:sldId id="258" r:id="rId5"/>
+    <p:sldId id="259" r:id="rId6"/>
+    <p:sldId id="260" r:id="rId7"/>
+    <p:sldId id="261" r:id="rId8"/>
+    <p:sldId id="262" r:id="rId9"/>
+    <p:sldId id="263" r:id="rId10"/>
+    <p:sldId id="264" r:id="rId11"/>
+    <p:sldId id="266" r:id="rId12"/>
+    <p:sldId id="265" r:id="rId13"/>
+    <p:sldId id="267" r:id="rId14"/>
   </p:sldIdLst>
   <p:sldSz cx="12192000" cy="6858000"/>
   <p:notesSz cx="6858000" cy="9144000"/>
@@ -112,6 +116,11 @@
       </a:defRPr>
     </a:lvl9pPr>
   </p:defaultTextStyle>
+  <p:extLst>
+    <p:ext uri="{EFAFB233-063F-42B5-8137-9DF3F51BA10A}">
+      <p15:sldGuideLst xmlns:p15="http://schemas.microsoft.com/office/powerpoint/2012/main"/>
+    </p:ext>
+  </p:extLst>
 </p:presentation>
 </file>
 
@@ -285,7 +294,7 @@
           <a:p>
             <a:fld id="{48A87A34-81AB-432B-8DAE-1953F412C126}" type="datetimeFigureOut">
               <a:rPr lang="en-US" dirty="0"/>
-              <a:t>2/12/2025</a:t>
+              <a:t>2/13/2025</a:t>
             </a:fld>
             <a:endParaRPr lang="en-US" dirty="0"/>
           </a:p>
@@ -547,7 +556,7 @@
           <a:p>
             <a:fld id="{48A87A34-81AB-432B-8DAE-1953F412C126}" type="datetimeFigureOut">
               <a:rPr lang="en-US" dirty="0"/>
-              <a:t>2/12/2025</a:t>
+              <a:t>2/13/2025</a:t>
             </a:fld>
             <a:endParaRPr lang="en-US" dirty="0"/>
           </a:p>
@@ -774,7 +783,7 @@
             <a:fld id="{48A87A34-81AB-432B-8DAE-1953F412C126}" type="datetimeFigureOut">
               <a:rPr lang="en-US" dirty="0"/>
               <a:pPr/>
-              <a:t>2/12/2025</a:t>
+              <a:t>2/13/2025</a:t>
             </a:fld>
             <a:endParaRPr lang="en-US" dirty="0"/>
           </a:p>
@@ -1080,7 +1089,7 @@
             <a:fld id="{48A87A34-81AB-432B-8DAE-1953F412C126}" type="datetimeFigureOut">
               <a:rPr lang="en-US" dirty="0"/>
               <a:pPr/>
-              <a:t>2/12/2025</a:t>
+              <a:t>2/13/2025</a:t>
             </a:fld>
             <a:endParaRPr lang="en-US" dirty="0"/>
           </a:p>
@@ -1549,7 +1558,7 @@
             <a:fld id="{48A87A34-81AB-432B-8DAE-1953F412C126}" type="datetimeFigureOut">
               <a:rPr lang="en-US" dirty="0"/>
               <a:pPr/>
-              <a:t>2/12/2025</a:t>
+              <a:t>2/13/2025</a:t>
             </a:fld>
             <a:endParaRPr lang="en-US" dirty="0"/>
           </a:p>
@@ -2091,7 +2100,7 @@
           <a:p>
             <a:fld id="{48A87A34-81AB-432B-8DAE-1953F412C126}" type="datetimeFigureOut">
               <a:rPr lang="en-US" dirty="0"/>
-              <a:t>2/12/2025</a:t>
+              <a:t>2/13/2025</a:t>
             </a:fld>
             <a:endParaRPr lang="en-US" dirty="0"/>
           </a:p>
@@ -2860,7 +2869,7 @@
           <a:p>
             <a:fld id="{48A87A34-81AB-432B-8DAE-1953F412C126}" type="datetimeFigureOut">
               <a:rPr lang="en-US" dirty="0"/>
-              <a:t>2/12/2025</a:t>
+              <a:t>2/13/2025</a:t>
             </a:fld>
             <a:endParaRPr lang="en-US" dirty="0"/>
           </a:p>
@@ -3030,7 +3039,7 @@
           <a:p>
             <a:fld id="{48A87A34-81AB-432B-8DAE-1953F412C126}" type="datetimeFigureOut">
               <a:rPr lang="en-US" dirty="0"/>
-              <a:t>2/12/2025</a:t>
+              <a:t>2/13/2025</a:t>
             </a:fld>
             <a:endParaRPr lang="en-US" dirty="0"/>
           </a:p>
@@ -3249,7 +3258,7 @@
             <a:fld id="{48A87A34-81AB-432B-8DAE-1953F412C126}" type="datetimeFigureOut">
               <a:rPr lang="en-US" dirty="0"/>
               <a:pPr/>
-              <a:t>2/12/2025</a:t>
+              <a:t>2/13/2025</a:t>
             </a:fld>
             <a:endParaRPr lang="en-US" dirty="0"/>
           </a:p>
@@ -3424,7 +3433,7 @@
           <a:p>
             <a:fld id="{48A87A34-81AB-432B-8DAE-1953F412C126}" type="datetimeFigureOut">
               <a:rPr lang="en-US" dirty="0"/>
-              <a:t>2/12/2025</a:t>
+              <a:t>2/13/2025</a:t>
             </a:fld>
             <a:endParaRPr lang="en-US" dirty="0"/>
           </a:p>
@@ -3709,7 +3718,7 @@
             <a:fld id="{48A87A34-81AB-432B-8DAE-1953F412C126}" type="datetimeFigureOut">
               <a:rPr lang="en-US" dirty="0"/>
               <a:pPr/>
-              <a:t>2/12/2025</a:t>
+              <a:t>2/13/2025</a:t>
             </a:fld>
             <a:endParaRPr lang="en-US" dirty="0"/>
           </a:p>
@@ -3946,7 +3955,7 @@
           <a:p>
             <a:fld id="{48A87A34-81AB-432B-8DAE-1953F412C126}" type="datetimeFigureOut">
               <a:rPr lang="en-US" dirty="0"/>
-              <a:t>2/12/2025</a:t>
+              <a:t>2/13/2025</a:t>
             </a:fld>
             <a:endParaRPr lang="en-US" dirty="0"/>
           </a:p>
@@ -4320,7 +4329,7 @@
           <a:p>
             <a:fld id="{48A87A34-81AB-432B-8DAE-1953F412C126}" type="datetimeFigureOut">
               <a:rPr lang="en-US" dirty="0"/>
-              <a:t>2/12/2025</a:t>
+              <a:t>2/13/2025</a:t>
             </a:fld>
             <a:endParaRPr lang="en-US" dirty="0"/>
           </a:p>
@@ -4433,7 +4442,7 @@
           <a:p>
             <a:fld id="{48A87A34-81AB-432B-8DAE-1953F412C126}" type="datetimeFigureOut">
               <a:rPr lang="en-US" dirty="0"/>
-              <a:t>2/12/2025</a:t>
+              <a:t>2/13/2025</a:t>
             </a:fld>
             <a:endParaRPr lang="en-US" dirty="0"/>
           </a:p>
@@ -4523,7 +4532,7 @@
           <a:p>
             <a:fld id="{48A87A34-81AB-432B-8DAE-1953F412C126}" type="datetimeFigureOut">
               <a:rPr lang="en-US" dirty="0"/>
-              <a:t>2/12/2025</a:t>
+              <a:t>2/13/2025</a:t>
             </a:fld>
             <a:endParaRPr lang="en-US" dirty="0"/>
           </a:p>
@@ -4767,7 +4776,7 @@
           <a:p>
             <a:fld id="{48A87A34-81AB-432B-8DAE-1953F412C126}" type="datetimeFigureOut">
               <a:rPr lang="en-US" dirty="0"/>
-              <a:t>2/12/2025</a:t>
+              <a:t>2/13/2025</a:t>
             </a:fld>
             <a:endParaRPr lang="en-US" dirty="0"/>
           </a:p>
@@ -5019,7 +5028,7 @@
           <a:p>
             <a:fld id="{48A87A34-81AB-432B-8DAE-1953F412C126}" type="datetimeFigureOut">
               <a:rPr lang="en-US" dirty="0"/>
-              <a:t>2/12/2025</a:t>
+              <a:t>2/13/2025</a:t>
             </a:fld>
             <a:endParaRPr lang="en-US" dirty="0"/>
           </a:p>
@@ -5258,7 +5267,7 @@
             <a:fld id="{48A87A34-81AB-432B-8DAE-1953F412C126}" type="datetimeFigureOut">
               <a:rPr lang="en-US" dirty="0"/>
               <a:pPr/>
-              <a:t>2/12/2025</a:t>
+              <a:t>2/13/2025</a:t>
             </a:fld>
             <a:endParaRPr lang="en-US" dirty="0"/>
           </a:p>
@@ -5731,6 +5740,693 @@
 </p:sld>
 </file>
 
+<file path=ppt/slides/slide10.xml><?xml version="1.0" encoding="utf-8"?>
+<p:sld xmlns:a="http://schemas.openxmlformats.org/drawingml/2006/main" xmlns:r="http://schemas.openxmlformats.org/officeDocument/2006/relationships" xmlns:p="http://schemas.openxmlformats.org/presentationml/2006/main">
+  <p:cSld>
+    <p:spTree>
+      <p:nvGrpSpPr>
+        <p:cNvPr id="1" name=""/>
+        <p:cNvGrpSpPr/>
+        <p:nvPr/>
+      </p:nvGrpSpPr>
+      <p:grpSpPr>
+        <a:xfrm>
+          <a:off x="0" y="0"/>
+          <a:ext cx="0" cy="0"/>
+          <a:chOff x="0" y="0"/>
+          <a:chExt cx="0" cy="0"/>
+        </a:xfrm>
+      </p:grpSpPr>
+      <p:sp>
+        <p:nvSpPr>
+          <p:cNvPr id="2" name="Cím 1">
+            <a:extLst>
+              <a:ext uri="{FF2B5EF4-FFF2-40B4-BE49-F238E27FC236}">
+                <a16:creationId xmlns:a16="http://schemas.microsoft.com/office/drawing/2014/main" id="{9A421C4D-5969-0E6D-167A-604755D71A6E}"/>
+              </a:ext>
+            </a:extLst>
+          </p:cNvPr>
+          <p:cNvSpPr>
+            <a:spLocks noGrp="1"/>
+          </p:cNvSpPr>
+          <p:nvPr>
+            <p:ph type="title"/>
+          </p:nvPr>
+        </p:nvSpPr>
+        <p:spPr/>
+        <p:txBody>
+          <a:bodyPr/>
+          <a:lstStyle/>
+          <a:p>
+            <a:r>
+              <a:rPr lang="hu-HU" dirty="0"/>
+              <a:t>Öröklődés Példa</a:t>
+            </a:r>
+          </a:p>
+        </p:txBody>
+      </p:sp>
+      <p:sp>
+        <p:nvSpPr>
+          <p:cNvPr id="3" name="Tartalom helye 2">
+            <a:extLst>
+              <a:ext uri="{FF2B5EF4-FFF2-40B4-BE49-F238E27FC236}">
+                <a16:creationId xmlns:a16="http://schemas.microsoft.com/office/drawing/2014/main" id="{043C978D-08A3-1A9B-C232-AA57747C3454}"/>
+              </a:ext>
+            </a:extLst>
+          </p:cNvPr>
+          <p:cNvSpPr>
+            <a:spLocks noGrp="1"/>
+          </p:cNvSpPr>
+          <p:nvPr>
+            <p:ph idx="1"/>
+          </p:nvPr>
+        </p:nvSpPr>
+        <p:spPr>
+          <a:xfrm>
+            <a:off x="190500" y="2194560"/>
+            <a:ext cx="11811000" cy="4024125"/>
+          </a:xfrm>
+        </p:spPr>
+        <p:txBody>
+          <a:bodyPr>
+            <a:normAutofit fontScale="92500"/>
+          </a:bodyPr>
+          <a:lstStyle/>
+          <a:p>
+            <a:pPr marL="0" indent="0">
+              <a:buNone/>
+            </a:pPr>
+            <a:r>
+              <a:rPr lang="hu-HU" dirty="0"/>
+              <a:t> </a:t>
+            </a:r>
+            <a:r>
+              <a:rPr lang="hu-HU" dirty="0" err="1"/>
+              <a:t>class</a:t>
+            </a:r>
+            <a:r>
+              <a:rPr lang="hu-HU" dirty="0"/>
+              <a:t> </a:t>
+            </a:r>
+            <a:r>
+              <a:rPr lang="hu-HU" dirty="0" err="1"/>
+              <a:t>Negyzet:Teglalap</a:t>
+            </a:r>
+            <a:r>
+              <a:rPr lang="hu-HU" dirty="0"/>
+              <a:t> //Öröklődési kapcsolat </a:t>
+            </a:r>
+            <a:r>
+              <a:rPr lang="hu-HU" dirty="0" err="1"/>
+              <a:t>létrehozássa</a:t>
+            </a:r>
+            <a:endParaRPr lang="hu-HU" dirty="0"/>
+          </a:p>
+          <a:p>
+            <a:pPr marL="0" indent="0">
+              <a:buNone/>
+            </a:pPr>
+            <a:r>
+              <a:rPr lang="hu-HU" dirty="0"/>
+              <a:t>    {</a:t>
+            </a:r>
+          </a:p>
+          <a:p>
+            <a:pPr marL="0" indent="0">
+              <a:buNone/>
+            </a:pPr>
+            <a:r>
+              <a:rPr lang="hu-HU" dirty="0"/>
+              <a:t>        </a:t>
+            </a:r>
+            <a:r>
+              <a:rPr lang="hu-HU" dirty="0" err="1"/>
+              <a:t>public</a:t>
+            </a:r>
+            <a:r>
+              <a:rPr lang="hu-HU" dirty="0"/>
+              <a:t> </a:t>
+            </a:r>
+            <a:r>
+              <a:rPr lang="hu-HU" dirty="0" err="1"/>
+              <a:t>double</a:t>
+            </a:r>
+            <a:r>
+              <a:rPr lang="hu-HU" dirty="0"/>
+              <a:t>  </a:t>
+            </a:r>
+            <a:r>
+              <a:rPr lang="hu-HU" dirty="0" err="1"/>
+              <a:t>negyzet_magasag</a:t>
+            </a:r>
+            <a:r>
+              <a:rPr lang="hu-HU" dirty="0"/>
+              <a:t>{ </a:t>
+            </a:r>
+            <a:r>
+              <a:rPr lang="hu-HU" dirty="0" err="1"/>
+              <a:t>get</a:t>
+            </a:r>
+            <a:r>
+              <a:rPr lang="hu-HU" dirty="0"/>
+              <a:t> =&gt; </a:t>
+            </a:r>
+            <a:r>
+              <a:rPr lang="hu-HU" dirty="0" err="1"/>
+              <a:t>Teglalap_magassag</a:t>
+            </a:r>
+            <a:r>
+              <a:rPr lang="hu-HU" dirty="0"/>
+              <a:t>; }</a:t>
+            </a:r>
+          </a:p>
+          <a:p>
+            <a:pPr marL="0" indent="0">
+              <a:buNone/>
+            </a:pPr>
+            <a:r>
+              <a:rPr lang="hu-HU" dirty="0"/>
+              <a:t>        </a:t>
+            </a:r>
+            <a:r>
+              <a:rPr lang="hu-HU" dirty="0" err="1"/>
+              <a:t>public</a:t>
+            </a:r>
+            <a:r>
+              <a:rPr lang="hu-HU" dirty="0"/>
+              <a:t> </a:t>
+            </a:r>
+            <a:r>
+              <a:rPr lang="hu-HU" dirty="0" err="1"/>
+              <a:t>double</a:t>
+            </a:r>
+            <a:r>
+              <a:rPr lang="hu-HU" dirty="0"/>
+              <a:t> </a:t>
+            </a:r>
+            <a:r>
+              <a:rPr lang="hu-HU" dirty="0" err="1"/>
+              <a:t>negyzet_szeleseg</a:t>
+            </a:r>
+            <a:r>
+              <a:rPr lang="hu-HU" dirty="0"/>
+              <a:t> { </a:t>
+            </a:r>
+            <a:r>
+              <a:rPr lang="hu-HU" dirty="0" err="1"/>
+              <a:t>get</a:t>
+            </a:r>
+            <a:r>
+              <a:rPr lang="hu-HU" dirty="0"/>
+              <a:t> =&gt; </a:t>
+            </a:r>
+            <a:r>
+              <a:rPr lang="hu-HU" dirty="0" err="1"/>
+              <a:t>Teglalap_szeleseg</a:t>
+            </a:r>
+            <a:r>
+              <a:rPr lang="hu-HU" dirty="0"/>
+              <a:t>; }</a:t>
+            </a:r>
+          </a:p>
+          <a:p>
+            <a:pPr marL="0" indent="0">
+              <a:buNone/>
+            </a:pPr>
+            <a:endParaRPr lang="hu-HU" dirty="0"/>
+          </a:p>
+          <a:p>
+            <a:pPr marL="0" indent="0">
+              <a:buNone/>
+            </a:pPr>
+            <a:r>
+              <a:rPr lang="hu-HU" dirty="0"/>
+              <a:t>        </a:t>
+            </a:r>
+            <a:r>
+              <a:rPr lang="hu-HU" dirty="0" err="1"/>
+              <a:t>public</a:t>
+            </a:r>
+            <a:r>
+              <a:rPr lang="hu-HU" dirty="0"/>
+              <a:t> </a:t>
+            </a:r>
+            <a:r>
+              <a:rPr lang="hu-HU" dirty="0" err="1"/>
+              <a:t>Negyzet</a:t>
+            </a:r>
+            <a:r>
+              <a:rPr lang="hu-HU" dirty="0"/>
+              <a:t>(</a:t>
+            </a:r>
+            <a:r>
+              <a:rPr lang="hu-HU" dirty="0" err="1"/>
+              <a:t>string</a:t>
+            </a:r>
+            <a:r>
+              <a:rPr lang="hu-HU" dirty="0"/>
+              <a:t> </a:t>
+            </a:r>
+            <a:r>
+              <a:rPr lang="hu-HU" dirty="0" err="1"/>
+              <a:t>szin</a:t>
+            </a:r>
+            <a:r>
+              <a:rPr lang="hu-HU" dirty="0"/>
+              <a:t>, </a:t>
+            </a:r>
+            <a:r>
+              <a:rPr lang="hu-HU" dirty="0" err="1"/>
+              <a:t>double</a:t>
+            </a:r>
+            <a:r>
+              <a:rPr lang="hu-HU" dirty="0"/>
+              <a:t> </a:t>
+            </a:r>
+            <a:r>
+              <a:rPr lang="hu-HU" dirty="0" err="1"/>
+              <a:t>magasag</a:t>
+            </a:r>
+            <a:r>
+              <a:rPr lang="hu-HU" dirty="0"/>
+              <a:t>, </a:t>
+            </a:r>
+            <a:r>
+              <a:rPr lang="hu-HU" dirty="0" err="1"/>
+              <a:t>double</a:t>
+            </a:r>
+            <a:r>
+              <a:rPr lang="hu-HU" dirty="0"/>
+              <a:t> </a:t>
+            </a:r>
+            <a:r>
+              <a:rPr lang="hu-HU" dirty="0" err="1"/>
+              <a:t>szeleseg</a:t>
+            </a:r>
+            <a:r>
+              <a:rPr lang="hu-HU" dirty="0"/>
+              <a:t>) :</a:t>
+            </a:r>
+            <a:r>
+              <a:rPr lang="hu-HU" dirty="0" err="1"/>
+              <a:t>base</a:t>
+            </a:r>
+            <a:r>
+              <a:rPr lang="hu-HU" dirty="0"/>
+              <a:t>(</a:t>
+            </a:r>
+            <a:r>
+              <a:rPr lang="hu-HU" dirty="0" err="1"/>
+              <a:t>szin,magasag,szeleseg</a:t>
+            </a:r>
+            <a:r>
+              <a:rPr lang="hu-HU" dirty="0"/>
+              <a:t>)//</a:t>
+            </a:r>
+            <a:r>
+              <a:rPr lang="hu-HU" dirty="0" err="1"/>
+              <a:t>base</a:t>
+            </a:r>
+            <a:r>
+              <a:rPr lang="hu-HU" dirty="0"/>
+              <a:t> szükséges adatok küldése az ősosztály </a:t>
+            </a:r>
+            <a:r>
+              <a:rPr lang="hu-HU" dirty="0" err="1"/>
+              <a:t>konstrukorának</a:t>
+            </a:r>
+            <a:endParaRPr lang="hu-HU" sz="1700" dirty="0"/>
+          </a:p>
+          <a:p>
+            <a:pPr marL="0" indent="0">
+              <a:buNone/>
+            </a:pPr>
+            <a:r>
+              <a:rPr lang="hu-HU" dirty="0"/>
+              <a:t>        {</a:t>
+            </a:r>
+          </a:p>
+          <a:p>
+            <a:pPr marL="0" indent="0">
+              <a:buNone/>
+            </a:pPr>
+            <a:endParaRPr lang="hu-HU" dirty="0"/>
+          </a:p>
+          <a:p>
+            <a:pPr marL="0" indent="0">
+              <a:buNone/>
+            </a:pPr>
+            <a:r>
+              <a:rPr lang="hu-HU" dirty="0"/>
+              <a:t>        }</a:t>
+            </a:r>
+          </a:p>
+        </p:txBody>
+      </p:sp>
+    </p:spTree>
+    <p:extLst>
+      <p:ext uri="{BB962C8B-B14F-4D97-AF65-F5344CB8AC3E}">
+        <p14:creationId xmlns:p14="http://schemas.microsoft.com/office/powerpoint/2010/main" val="3288026944"/>
+      </p:ext>
+    </p:extLst>
+  </p:cSld>
+  <p:clrMapOvr>
+    <a:masterClrMapping/>
+  </p:clrMapOvr>
+</p:sld>
+</file>
+
+<file path=ppt/slides/slide11.xml><?xml version="1.0" encoding="utf-8"?>
+<p:sld xmlns:a="http://schemas.openxmlformats.org/drawingml/2006/main" xmlns:r="http://schemas.openxmlformats.org/officeDocument/2006/relationships" xmlns:p="http://schemas.openxmlformats.org/presentationml/2006/main">
+  <p:cSld>
+    <p:spTree>
+      <p:nvGrpSpPr>
+        <p:cNvPr id="1" name=""/>
+        <p:cNvGrpSpPr/>
+        <p:nvPr/>
+      </p:nvGrpSpPr>
+      <p:grpSpPr>
+        <a:xfrm>
+          <a:off x="0" y="0"/>
+          <a:ext cx="0" cy="0"/>
+          <a:chOff x="0" y="0"/>
+          <a:chExt cx="0" cy="0"/>
+        </a:xfrm>
+      </p:grpSpPr>
+      <p:sp>
+        <p:nvSpPr>
+          <p:cNvPr id="2" name="Cím 1">
+            <a:extLst>
+              <a:ext uri="{FF2B5EF4-FFF2-40B4-BE49-F238E27FC236}">
+                <a16:creationId xmlns:a16="http://schemas.microsoft.com/office/drawing/2014/main" id="{B43F9A8E-EFD0-42A5-2A7A-0D15D6593AD4}"/>
+              </a:ext>
+            </a:extLst>
+          </p:cNvPr>
+          <p:cNvSpPr>
+            <a:spLocks noGrp="1"/>
+          </p:cNvSpPr>
+          <p:nvPr>
+            <p:ph type="title"/>
+          </p:nvPr>
+        </p:nvSpPr>
+        <p:spPr/>
+        <p:txBody>
+          <a:bodyPr/>
+          <a:lstStyle/>
+          <a:p>
+            <a:r>
+              <a:rPr lang="hu-HU" dirty="0"/>
+              <a:t>Mi az UML?</a:t>
+            </a:r>
+          </a:p>
+        </p:txBody>
+      </p:sp>
+      <p:sp>
+        <p:nvSpPr>
+          <p:cNvPr id="3" name="Tartalom helye 2">
+            <a:extLst>
+              <a:ext uri="{FF2B5EF4-FFF2-40B4-BE49-F238E27FC236}">
+                <a16:creationId xmlns:a16="http://schemas.microsoft.com/office/drawing/2014/main" id="{A9AA41F6-5C74-0073-7C5B-90B823D92ED0}"/>
+              </a:ext>
+            </a:extLst>
+          </p:cNvPr>
+          <p:cNvSpPr>
+            <a:spLocks noGrp="1"/>
+          </p:cNvSpPr>
+          <p:nvPr>
+            <p:ph idx="1"/>
+          </p:nvPr>
+        </p:nvSpPr>
+        <p:spPr/>
+        <p:txBody>
+          <a:bodyPr/>
+          <a:lstStyle/>
+          <a:p>
+            <a:r>
+              <a:rPr lang="hu-HU" dirty="0"/>
+              <a:t>Az UML (</a:t>
+            </a:r>
+            <a:r>
+              <a:rPr lang="hu-HU" dirty="0" err="1"/>
+              <a:t>Unified</a:t>
+            </a:r>
+            <a:r>
+              <a:rPr lang="hu-HU" dirty="0"/>
+              <a:t> </a:t>
+            </a:r>
+            <a:r>
+              <a:rPr lang="hu-HU" dirty="0" err="1"/>
+              <a:t>Modeling</a:t>
+            </a:r>
+            <a:r>
+              <a:rPr lang="hu-HU" dirty="0"/>
+              <a:t> </a:t>
+            </a:r>
+            <a:r>
+              <a:rPr lang="hu-HU" dirty="0" err="1"/>
+              <a:t>Language</a:t>
+            </a:r>
+            <a:r>
+              <a:rPr lang="hu-HU" dirty="0"/>
+              <a:t>) szabványos, általános célú modellező nyelv.</a:t>
+            </a:r>
+          </a:p>
+          <a:p>
+            <a:r>
+              <a:rPr lang="hu-HU" dirty="0"/>
+              <a:t>Mi modellezhető UML-el</a:t>
+            </a:r>
+          </a:p>
+          <a:p>
+            <a:pPr lvl="1"/>
+            <a:r>
+              <a:rPr lang="hu-HU" dirty="0"/>
+              <a:t>Rendszerek, szervezetek</a:t>
+            </a:r>
+          </a:p>
+          <a:p>
+            <a:pPr lvl="1"/>
+            <a:r>
+              <a:rPr lang="hu-HU" dirty="0"/>
+              <a:t>Szereplők: viselkedésük egy rendszerben, kapcsolatuk más rendszerekkel stb.</a:t>
+            </a:r>
+          </a:p>
+          <a:p>
+            <a:pPr lvl="1"/>
+            <a:r>
+              <a:rPr lang="hu-HU" dirty="0"/>
+              <a:t>Üzleti tevékenységek, folyamatok</a:t>
+            </a:r>
+          </a:p>
+          <a:p>
+            <a:pPr lvl="1"/>
+            <a:r>
+              <a:rPr lang="hu-HU" dirty="0"/>
+              <a:t>Logikai összetevők</a:t>
+            </a:r>
+          </a:p>
+          <a:p>
+            <a:pPr lvl="1"/>
+            <a:r>
+              <a:rPr lang="hu-HU" dirty="0"/>
+              <a:t>Szoftverek, programok</a:t>
+            </a:r>
+          </a:p>
+          <a:p>
+            <a:pPr lvl="1"/>
+            <a:r>
+              <a:rPr lang="hu-HU" dirty="0"/>
+              <a:t>Adatbázisok</a:t>
+            </a:r>
+          </a:p>
+        </p:txBody>
+      </p:sp>
+    </p:spTree>
+    <p:extLst>
+      <p:ext uri="{BB962C8B-B14F-4D97-AF65-F5344CB8AC3E}">
+        <p14:creationId xmlns:p14="http://schemas.microsoft.com/office/powerpoint/2010/main" val="3467800466"/>
+      </p:ext>
+    </p:extLst>
+  </p:cSld>
+  <p:clrMapOvr>
+    <a:masterClrMapping/>
+  </p:clrMapOvr>
+</p:sld>
+</file>
+
+<file path=ppt/slides/slide12.xml><?xml version="1.0" encoding="utf-8"?>
+<p:sld xmlns:a="http://schemas.openxmlformats.org/drawingml/2006/main" xmlns:r="http://schemas.openxmlformats.org/officeDocument/2006/relationships" xmlns:p="http://schemas.openxmlformats.org/presentationml/2006/main">
+  <p:cSld>
+    <p:spTree>
+      <p:nvGrpSpPr>
+        <p:cNvPr id="1" name=""/>
+        <p:cNvGrpSpPr/>
+        <p:nvPr/>
+      </p:nvGrpSpPr>
+      <p:grpSpPr>
+        <a:xfrm>
+          <a:off x="0" y="0"/>
+          <a:ext cx="0" cy="0"/>
+          <a:chOff x="0" y="0"/>
+          <a:chExt cx="0" cy="0"/>
+        </a:xfrm>
+      </p:grpSpPr>
+      <p:sp>
+        <p:nvSpPr>
+          <p:cNvPr id="2" name="Cím 1">
+            <a:extLst>
+              <a:ext uri="{FF2B5EF4-FFF2-40B4-BE49-F238E27FC236}">
+                <a16:creationId xmlns:a16="http://schemas.microsoft.com/office/drawing/2014/main" id="{845076E1-315B-08E7-0C37-68DCCC4D15D3}"/>
+              </a:ext>
+            </a:extLst>
+          </p:cNvPr>
+          <p:cNvSpPr>
+            <a:spLocks noGrp="1"/>
+          </p:cNvSpPr>
+          <p:nvPr>
+            <p:ph type="title"/>
+          </p:nvPr>
+        </p:nvSpPr>
+        <p:spPr/>
+        <p:txBody>
+          <a:bodyPr/>
+          <a:lstStyle/>
+          <a:p>
+            <a:r>
+              <a:rPr lang="hu-HU" dirty="0"/>
+              <a:t>UML (Osztálykapcsolatok)</a:t>
+            </a:r>
+          </a:p>
+        </p:txBody>
+      </p:sp>
+      <p:pic>
+        <p:nvPicPr>
+          <p:cNvPr id="5" name="Tartalom helye 4" descr="A képen szöveg, képernyőkép, Betűtípus, diagram látható&#10;&#10;Előfordulhat, hogy a mesterséges intelligencia által létrehozott tartalom helytelen.">
+            <a:extLst>
+              <a:ext uri="{FF2B5EF4-FFF2-40B4-BE49-F238E27FC236}">
+                <a16:creationId xmlns:a16="http://schemas.microsoft.com/office/drawing/2014/main" id="{8D6D79D3-774E-386B-F7B7-1A05AC9F7D9C}"/>
+              </a:ext>
+            </a:extLst>
+          </p:cNvPr>
+          <p:cNvPicPr>
+            <a:picLocks noGrp="1" noChangeAspect="1"/>
+          </p:cNvPicPr>
+          <p:nvPr>
+            <p:ph idx="1"/>
+          </p:nvPr>
+        </p:nvPicPr>
+        <p:blipFill>
+          <a:blip r:embed="rId2"/>
+          <a:stretch>
+            <a:fillRect/>
+          </a:stretch>
+        </p:blipFill>
+        <p:spPr>
+          <a:xfrm>
+            <a:off x="2648565" y="2193925"/>
+            <a:ext cx="6894870" cy="4024313"/>
+          </a:xfrm>
+        </p:spPr>
+      </p:pic>
+    </p:spTree>
+    <p:extLst>
+      <p:ext uri="{BB962C8B-B14F-4D97-AF65-F5344CB8AC3E}">
+        <p14:creationId xmlns:p14="http://schemas.microsoft.com/office/powerpoint/2010/main" val="1466012557"/>
+      </p:ext>
+    </p:extLst>
+  </p:cSld>
+  <p:clrMapOvr>
+    <a:masterClrMapping/>
+  </p:clrMapOvr>
+</p:sld>
+</file>
+
+<file path=ppt/slides/slide13.xml><?xml version="1.0" encoding="utf-8"?>
+<p:sld xmlns:a="http://schemas.openxmlformats.org/drawingml/2006/main" xmlns:r="http://schemas.openxmlformats.org/officeDocument/2006/relationships" xmlns:p="http://schemas.openxmlformats.org/presentationml/2006/main">
+  <p:cSld>
+    <p:spTree>
+      <p:nvGrpSpPr>
+        <p:cNvPr id="1" name=""/>
+        <p:cNvGrpSpPr/>
+        <p:nvPr/>
+      </p:nvGrpSpPr>
+      <p:grpSpPr>
+        <a:xfrm>
+          <a:off x="0" y="0"/>
+          <a:ext cx="0" cy="0"/>
+          <a:chOff x="0" y="0"/>
+          <a:chExt cx="0" cy="0"/>
+        </a:xfrm>
+      </p:grpSpPr>
+      <p:sp>
+        <p:nvSpPr>
+          <p:cNvPr id="2" name="Cím 1">
+            <a:extLst>
+              <a:ext uri="{FF2B5EF4-FFF2-40B4-BE49-F238E27FC236}">
+                <a16:creationId xmlns:a16="http://schemas.microsoft.com/office/drawing/2014/main" id="{CD899908-EB18-1016-455E-BC3AD62D438D}"/>
+              </a:ext>
+            </a:extLst>
+          </p:cNvPr>
+          <p:cNvSpPr>
+            <a:spLocks noGrp="1"/>
+          </p:cNvSpPr>
+          <p:nvPr>
+            <p:ph type="ctrTitle"/>
+          </p:nvPr>
+        </p:nvSpPr>
+        <p:spPr/>
+        <p:txBody>
+          <a:bodyPr/>
+          <a:lstStyle/>
+          <a:p>
+            <a:r>
+              <a:rPr lang="hu-HU" dirty="0"/>
+              <a:t>Köszönjük A figyelmet</a:t>
+            </a:r>
+          </a:p>
+        </p:txBody>
+      </p:sp>
+      <p:sp>
+        <p:nvSpPr>
+          <p:cNvPr id="3" name="Alcím 2">
+            <a:extLst>
+              <a:ext uri="{FF2B5EF4-FFF2-40B4-BE49-F238E27FC236}">
+                <a16:creationId xmlns:a16="http://schemas.microsoft.com/office/drawing/2014/main" id="{785F4490-F19D-F60A-7417-3CD0C75F02C2}"/>
+              </a:ext>
+            </a:extLst>
+          </p:cNvPr>
+          <p:cNvSpPr>
+            <a:spLocks noGrp="1"/>
+          </p:cNvSpPr>
+          <p:nvPr>
+            <p:ph type="subTitle" idx="1"/>
+          </p:nvPr>
+        </p:nvSpPr>
+        <p:spPr/>
+        <p:txBody>
+          <a:bodyPr/>
+          <a:lstStyle/>
+          <a:p>
+            <a:r>
+              <a:rPr lang="hu-HU" dirty="0"/>
+              <a:t>Készítette: Beke Dániel, Szabó Bence</a:t>
+            </a:r>
+          </a:p>
+        </p:txBody>
+      </p:sp>
+    </p:spTree>
+    <p:extLst>
+      <p:ext uri="{BB962C8B-B14F-4D97-AF65-F5344CB8AC3E}">
+        <p14:creationId xmlns:p14="http://schemas.microsoft.com/office/powerpoint/2010/main" val="2222551372"/>
+      </p:ext>
+    </p:extLst>
+  </p:cSld>
+  <p:clrMapOvr>
+    <a:masterClrMapping/>
+  </p:clrMapOvr>
+</p:sld>
+</file>
+
 <file path=ppt/slides/slide2.xml><?xml version="1.0" encoding="utf-8"?>
 <p:sld xmlns:a="http://schemas.openxmlformats.org/drawingml/2006/main" xmlns:r="http://schemas.openxmlformats.org/officeDocument/2006/relationships" xmlns:p="http://schemas.openxmlformats.org/presentationml/2006/main">
   <p:cSld>
@@ -5766,8 +6462,8 @@
         </p:nvSpPr>
         <p:spPr>
           <a:xfrm>
-            <a:off x="685800" y="732623"/>
-            <a:ext cx="8610600" cy="1293028"/>
+            <a:off x="7010400" y="732623"/>
+            <a:ext cx="5181600" cy="1293028"/>
           </a:xfrm>
         </p:spPr>
         <p:txBody>
@@ -5919,7 +6615,7 @@
           <p:cNvPr id="2" name="Cím 1">
             <a:extLst>
               <a:ext uri="{FF2B5EF4-FFF2-40B4-BE49-F238E27FC236}">
-                <a16:creationId xmlns:a16="http://schemas.microsoft.com/office/drawing/2014/main" id="{40EFF3BB-6FD8-8EF3-0753-365D96DD27C0}"/>
+                <a16:creationId xmlns:a16="http://schemas.microsoft.com/office/drawing/2014/main" id="{A9B3D0A8-7C9B-C5D4-E67D-38C46FC8257B}"/>
               </a:ext>
             </a:extLst>
           </p:cNvPr>
@@ -5937,7 +6633,7 @@
           <a:p>
             <a:r>
               <a:rPr lang="hu-HU" dirty="0"/>
-              <a:t>Jellemzők</a:t>
+              <a:t>Lényege</a:t>
             </a:r>
           </a:p>
         </p:txBody>
@@ -5947,7 +6643,7 @@
           <p:cNvPr id="3" name="Tartalom helye 2">
             <a:extLst>
               <a:ext uri="{FF2B5EF4-FFF2-40B4-BE49-F238E27FC236}">
-                <a16:creationId xmlns:a16="http://schemas.microsoft.com/office/drawing/2014/main" id="{026D76FC-79B1-6039-D625-4E848A88B9C3}"/>
+                <a16:creationId xmlns:a16="http://schemas.microsoft.com/office/drawing/2014/main" id="{497564D9-BDF0-CEA4-E0A6-FF598A9155B7}"/>
               </a:ext>
             </a:extLst>
           </p:cNvPr>
@@ -5965,48 +6661,29 @@
           <a:p>
             <a:r>
               <a:rPr lang="hu-HU" dirty="0"/>
-              <a:t>Osztályok és </a:t>
-            </a:r>
-            <a:r>
-              <a:rPr lang="hu-HU" dirty="0" err="1"/>
-              <a:t>ojektumok</a:t>
-            </a:r>
-            <a:endParaRPr lang="hu-HU" dirty="0"/>
-          </a:p>
-          <a:p>
-            <a:r>
-              <a:rPr lang="hu-HU" dirty="0"/>
-              <a:t>Absztrakció</a:t>
-            </a:r>
-          </a:p>
-          <a:p>
-            <a:r>
-              <a:rPr lang="hu-HU" dirty="0" err="1"/>
-              <a:t>Encapsuláció</a:t>
-            </a:r>
-            <a:r>
-              <a:rPr lang="hu-HU" dirty="0"/>
-              <a:t> (Adatrejtés) </a:t>
-            </a:r>
-          </a:p>
-          <a:p>
-            <a:r>
-              <a:rPr lang="hu-HU" dirty="0"/>
-              <a:t>Öröklődés (</a:t>
-            </a:r>
-            <a:r>
-              <a:rPr lang="hu-HU" dirty="0" err="1"/>
-              <a:t>Inheritance</a:t>
-            </a:r>
-            <a:r>
-              <a:rPr lang="hu-HU" dirty="0"/>
-              <a:t>) </a:t>
-            </a:r>
-          </a:p>
-          <a:p>
-            <a:r>
-              <a:rPr lang="hu-HU" dirty="0"/>
-              <a:t>Polimorfizmus (Többalakúság) </a:t>
+              <a:t>Az OOP (</a:t>
+            </a:r>
+            <a:r>
+              <a:rPr lang="hu-HU" dirty="0" err="1"/>
+              <a:t>Object</a:t>
+            </a:r>
+            <a:r>
+              <a:rPr lang="hu-HU" dirty="0"/>
+              <a:t>-Oriented </a:t>
+            </a:r>
+            <a:r>
+              <a:rPr lang="hu-HU" dirty="0" err="1"/>
+              <a:t>Programming</a:t>
+            </a:r>
+            <a:r>
+              <a:rPr lang="hu-HU" dirty="0"/>
+              <a:t>, objektumorientált programozás) lényege, hogy a programokat objektumokból építjük fel.</a:t>
+            </a:r>
+          </a:p>
+          <a:p>
+            <a:r>
+              <a:rPr lang="hu-HU" dirty="0"/>
+              <a:t>Az OOP segít az átláthatóbb, újra felhasználható és könnyebben karbantartható kód létrehozásában.</a:t>
             </a:r>
           </a:p>
         </p:txBody>
@@ -6014,7 +6691,7 @@
     </p:spTree>
     <p:extLst>
       <p:ext uri="{BB962C8B-B14F-4D97-AF65-F5344CB8AC3E}">
-        <p14:creationId xmlns:p14="http://schemas.microsoft.com/office/powerpoint/2010/main" val="647211369"/>
+        <p14:creationId xmlns:p14="http://schemas.microsoft.com/office/powerpoint/2010/main" val="1162357820"/>
       </p:ext>
     </p:extLst>
   </p:cSld>
@@ -6046,7 +6723,7 @@
           <p:cNvPr id="2" name="Cím 1">
             <a:extLst>
               <a:ext uri="{FF2B5EF4-FFF2-40B4-BE49-F238E27FC236}">
-                <a16:creationId xmlns:a16="http://schemas.microsoft.com/office/drawing/2014/main" id="{16DA6887-8053-C408-92A9-C46FF1FF594C}"/>
+                <a16:creationId xmlns:a16="http://schemas.microsoft.com/office/drawing/2014/main" id="{40EFF3BB-6FD8-8EF3-0753-365D96DD27C0}"/>
               </a:ext>
             </a:extLst>
           </p:cNvPr>
@@ -6064,7 +6741,7 @@
           <a:p>
             <a:r>
               <a:rPr lang="hu-HU" dirty="0"/>
-              <a:t>Osztályok példa</a:t>
+              <a:t>Jellemzők</a:t>
             </a:r>
           </a:p>
         </p:txBody>
@@ -6074,7 +6751,7 @@
           <p:cNvPr id="3" name="Tartalom helye 2">
             <a:extLst>
               <a:ext uri="{FF2B5EF4-FFF2-40B4-BE49-F238E27FC236}">
-                <a16:creationId xmlns:a16="http://schemas.microsoft.com/office/drawing/2014/main" id="{ABB7C2D0-D03F-0A7F-9C04-EEDE44C3B1D1}"/>
+                <a16:creationId xmlns:a16="http://schemas.microsoft.com/office/drawing/2014/main" id="{026D76FC-79B1-6039-D625-4E848A88B9C3}"/>
               </a:ext>
             </a:extLst>
           </p:cNvPr>
@@ -6088,242 +6765,89 @@
         <p:spPr/>
         <p:txBody>
           <a:bodyPr>
-            <a:normAutofit fontScale="77500" lnSpcReduction="20000"/>
+            <a:normAutofit lnSpcReduction="10000"/>
           </a:bodyPr>
           <a:lstStyle/>
           <a:p>
             <a:r>
               <a:rPr lang="hu-HU" dirty="0"/>
-              <a:t> </a:t>
-            </a:r>
-            <a:r>
-              <a:rPr lang="hu-HU" dirty="0" err="1"/>
-              <a:t>class</a:t>
-            </a:r>
-            <a:r>
-              <a:rPr lang="hu-HU" dirty="0"/>
-              <a:t> </a:t>
-            </a:r>
-            <a:r>
-              <a:rPr lang="hu-HU" dirty="0" err="1"/>
-              <a:t>Allat</a:t>
-            </a:r>
-            <a:r>
-              <a:rPr lang="hu-HU" dirty="0"/>
-              <a:t> //Osztály neve</a:t>
-            </a:r>
-          </a:p>
-          <a:p>
-            <a:r>
-              <a:rPr lang="hu-HU" dirty="0"/>
-              <a:t>    {</a:t>
-            </a:r>
-          </a:p>
-          <a:p>
-            <a:r>
-              <a:rPr lang="hu-HU" dirty="0"/>
-              <a:t>        </a:t>
-            </a:r>
-            <a:r>
-              <a:rPr lang="hu-HU" dirty="0" err="1"/>
-              <a:t>string</a:t>
-            </a:r>
-            <a:r>
-              <a:rPr lang="hu-HU" dirty="0"/>
-              <a:t> </a:t>
-            </a:r>
-            <a:r>
-              <a:rPr lang="hu-HU" dirty="0" err="1"/>
-              <a:t>nev</a:t>
-            </a:r>
-            <a:r>
-              <a:rPr lang="hu-HU" dirty="0"/>
-              <a:t>;  //Adatagok</a:t>
-            </a:r>
-          </a:p>
-          <a:p>
-            <a:r>
-              <a:rPr lang="hu-HU" dirty="0"/>
-              <a:t>        </a:t>
-            </a:r>
-            <a:r>
-              <a:rPr lang="hu-HU" dirty="0" err="1"/>
-              <a:t>kategoria</a:t>
-            </a:r>
-            <a:r>
-              <a:rPr lang="hu-HU" dirty="0"/>
-              <a:t> </a:t>
-            </a:r>
-            <a:r>
-              <a:rPr lang="hu-HU" dirty="0" err="1"/>
-              <a:t>Kategoria</a:t>
-            </a:r>
-            <a:r>
-              <a:rPr lang="hu-HU" dirty="0"/>
-              <a:t>;</a:t>
-            </a:r>
-          </a:p>
-          <a:p>
+              <a:t>Osztályok és </a:t>
+            </a:r>
+            <a:r>
+              <a:rPr lang="hu-HU" dirty="0" err="1"/>
+              <a:t>ojektumok</a:t>
+            </a:r>
             <a:endParaRPr lang="hu-HU" dirty="0"/>
           </a:p>
           <a:p>
-            <a:r>
-              <a:rPr lang="hu-HU" dirty="0"/>
-              <a:t>        </a:t>
-            </a:r>
-            <a:r>
-              <a:rPr lang="hu-HU" dirty="0" err="1"/>
-              <a:t>public</a:t>
-            </a:r>
-            <a:r>
-              <a:rPr lang="hu-HU" dirty="0"/>
-              <a:t> </a:t>
-            </a:r>
-            <a:r>
-              <a:rPr lang="hu-HU" dirty="0" err="1"/>
-              <a:t>kategoria</a:t>
-            </a:r>
-            <a:r>
-              <a:rPr lang="hu-HU" dirty="0"/>
-              <a:t> </a:t>
-            </a:r>
-            <a:r>
-              <a:rPr lang="hu-HU" dirty="0" err="1"/>
-              <a:t>Allat_Kategoria</a:t>
-            </a:r>
-            <a:r>
-              <a:rPr lang="hu-HU" dirty="0"/>
-              <a:t> { </a:t>
-            </a:r>
-            <a:r>
-              <a:rPr lang="hu-HU" dirty="0" err="1"/>
-              <a:t>get</a:t>
-            </a:r>
-            <a:r>
-              <a:rPr lang="hu-HU" dirty="0"/>
-              <a:t> =&gt; </a:t>
-            </a:r>
-            <a:r>
-              <a:rPr lang="hu-HU" dirty="0" err="1"/>
-              <a:t>Kategoria</a:t>
-            </a:r>
-            <a:r>
-              <a:rPr lang="hu-HU" dirty="0"/>
-              <a:t>; }</a:t>
-            </a:r>
-          </a:p>
-          <a:p>
-            <a:r>
-              <a:rPr lang="hu-HU" dirty="0"/>
-              <a:t>       </a:t>
-            </a:r>
-          </a:p>
-          <a:p>
-            <a:r>
-              <a:rPr lang="hu-HU" dirty="0"/>
-              <a:t>        </a:t>
-            </a:r>
-            <a:r>
-              <a:rPr lang="hu-HU" dirty="0" err="1"/>
-              <a:t>public</a:t>
-            </a:r>
-            <a:r>
-              <a:rPr lang="hu-HU" dirty="0"/>
-              <a:t> </a:t>
-            </a:r>
-            <a:r>
-              <a:rPr lang="hu-HU" dirty="0" err="1"/>
-              <a:t>Allat</a:t>
-            </a:r>
-            <a:r>
-              <a:rPr lang="hu-HU" dirty="0"/>
-              <a:t>(</a:t>
-            </a:r>
-            <a:r>
-              <a:rPr lang="hu-HU" dirty="0" err="1"/>
-              <a:t>string</a:t>
-            </a:r>
-            <a:r>
-              <a:rPr lang="hu-HU" dirty="0"/>
-              <a:t> </a:t>
-            </a:r>
-            <a:r>
-              <a:rPr lang="hu-HU" dirty="0" err="1"/>
-              <a:t>nev,kategoria</a:t>
-            </a:r>
-            <a:r>
-              <a:rPr lang="hu-HU" dirty="0"/>
-              <a:t> </a:t>
-            </a:r>
-            <a:r>
-              <a:rPr lang="hu-HU" dirty="0" err="1"/>
-              <a:t>kategoria</a:t>
-            </a:r>
-            <a:r>
-              <a:rPr lang="hu-HU" dirty="0"/>
-              <a:t>) //konstruktor</a:t>
-            </a:r>
-          </a:p>
-          <a:p>
-            <a:r>
-              <a:rPr lang="hu-HU" dirty="0"/>
-              <a:t>        {</a:t>
-            </a:r>
-          </a:p>
-          <a:p>
-            <a:r>
-              <a:rPr lang="hu-HU" dirty="0"/>
-              <a:t>            </a:t>
-            </a:r>
-            <a:r>
-              <a:rPr lang="hu-HU" dirty="0" err="1"/>
-              <a:t>this.nev</a:t>
-            </a:r>
-            <a:r>
-              <a:rPr lang="hu-HU" dirty="0"/>
-              <a:t> = </a:t>
-            </a:r>
-            <a:r>
-              <a:rPr lang="hu-HU" dirty="0" err="1"/>
-              <a:t>nev</a:t>
-            </a:r>
-            <a:r>
-              <a:rPr lang="hu-HU" dirty="0"/>
-              <a:t>;</a:t>
-            </a:r>
-          </a:p>
-          <a:p>
-            <a:r>
-              <a:rPr lang="hu-HU" dirty="0"/>
-              <a:t>            </a:t>
-            </a:r>
-            <a:r>
-              <a:rPr lang="hu-HU" dirty="0" err="1"/>
-              <a:t>this.Kategoria</a:t>
-            </a:r>
-            <a:r>
-              <a:rPr lang="hu-HU" dirty="0"/>
-              <a:t> = </a:t>
-            </a:r>
-            <a:r>
-              <a:rPr lang="hu-HU" dirty="0" err="1"/>
-              <a:t>kategoria</a:t>
-            </a:r>
-            <a:r>
-              <a:rPr lang="hu-HU" dirty="0"/>
-              <a:t>;</a:t>
-            </a:r>
-          </a:p>
-          <a:p>
-            <a:r>
-              <a:rPr lang="hu-HU" dirty="0"/>
-              <a:t>        }</a:t>
-            </a:r>
-          </a:p>
-          <a:p>
-            <a:r>
-              <a:rPr lang="hu-HU" dirty="0"/>
-              <a:t>}</a:t>
+            <a:pPr lvl="1"/>
+            <a:r>
+              <a:rPr lang="hu-HU" dirty="0"/>
+              <a:t> Az osztály egy sablon (tervrajz), amely meghatározza az objektumok tulajdonságait (attribútumok) és viselkedését (metódusok).</a:t>
+            </a:r>
+          </a:p>
+          <a:p>
+            <a:r>
+              <a:rPr lang="hu-HU" dirty="0"/>
+              <a:t>Absztrakció</a:t>
+            </a:r>
+          </a:p>
+          <a:p>
+            <a:pPr lvl="1"/>
+            <a:r>
+              <a:rPr lang="hu-HU" dirty="0"/>
+              <a:t>Csak a lényeges tulajdonságok kiemelése, a részletek elrejtése</a:t>
+            </a:r>
+          </a:p>
+          <a:p>
+            <a:r>
+              <a:rPr lang="hu-HU" dirty="0" err="1"/>
+              <a:t>Encapsuláció</a:t>
+            </a:r>
+            <a:r>
+              <a:rPr lang="hu-HU" dirty="0"/>
+              <a:t> (Adatrejtés)</a:t>
+            </a:r>
+          </a:p>
+          <a:p>
+            <a:pPr lvl="1"/>
+            <a:r>
+              <a:rPr lang="hu-HU" dirty="0"/>
+              <a:t>Az adatok elrejtése, csak meghatározott módon érhetők el.</a:t>
+            </a:r>
+          </a:p>
+          <a:p>
+            <a:r>
+              <a:rPr lang="hu-HU" dirty="0"/>
+              <a:t>Öröklődés (</a:t>
+            </a:r>
+            <a:r>
+              <a:rPr lang="hu-HU" dirty="0" err="1"/>
+              <a:t>Inheritance</a:t>
+            </a:r>
+            <a:r>
+              <a:rPr lang="hu-HU" dirty="0"/>
+              <a:t>)</a:t>
+            </a:r>
+          </a:p>
+          <a:p>
+            <a:pPr lvl="1"/>
+            <a:r>
+              <a:rPr lang="hu-HU" dirty="0"/>
+              <a:t>Új osztályok létrehozása meglévők alapján.</a:t>
+            </a:r>
+          </a:p>
+          <a:p>
+            <a:r>
+              <a:rPr lang="hu-HU" dirty="0"/>
+              <a:t>Polimorfizmus (Többalakúság)</a:t>
+            </a:r>
+          </a:p>
+          <a:p>
+            <a:pPr lvl="1"/>
+            <a:r>
+              <a:rPr lang="hu-HU" dirty="0"/>
+              <a:t> Többféle formában működő függvények és osztályok.</a:t>
             </a:r>
           </a:p>
         </p:txBody>
@@ -6331,7 +6855,7 @@
     </p:spTree>
     <p:extLst>
       <p:ext uri="{BB962C8B-B14F-4D97-AF65-F5344CB8AC3E}">
-        <p14:creationId xmlns:p14="http://schemas.microsoft.com/office/powerpoint/2010/main" val="959726258"/>
+        <p14:creationId xmlns:p14="http://schemas.microsoft.com/office/powerpoint/2010/main" val="647211369"/>
       </p:ext>
     </p:extLst>
   </p:cSld>
@@ -6363,7 +6887,7 @@
           <p:cNvPr id="2" name="Cím 1">
             <a:extLst>
               <a:ext uri="{FF2B5EF4-FFF2-40B4-BE49-F238E27FC236}">
-                <a16:creationId xmlns:a16="http://schemas.microsoft.com/office/drawing/2014/main" id="{0C56E280-50C5-B518-1731-6961939E474E}"/>
+                <a16:creationId xmlns:a16="http://schemas.microsoft.com/office/drawing/2014/main" id="{16DA6887-8053-C408-92A9-C46FF1FF594C}"/>
               </a:ext>
             </a:extLst>
           </p:cNvPr>
@@ -6381,15 +6905,7 @@
           <a:p>
             <a:r>
               <a:rPr lang="hu-HU" dirty="0"/>
-              <a:t>Absztrakció, </a:t>
-            </a:r>
-            <a:r>
-              <a:rPr lang="hu-HU" dirty="0" err="1"/>
-              <a:t>Encapsuláció</a:t>
-            </a:r>
-            <a:r>
-              <a:rPr lang="hu-HU" dirty="0"/>
-              <a:t> (Adatrejtés) Példa</a:t>
+              <a:t>Osztályok példa</a:t>
             </a:r>
           </a:p>
         </p:txBody>
@@ -6399,7 +6915,7 @@
           <p:cNvPr id="3" name="Tartalom helye 2">
             <a:extLst>
               <a:ext uri="{FF2B5EF4-FFF2-40B4-BE49-F238E27FC236}">
-                <a16:creationId xmlns:a16="http://schemas.microsoft.com/office/drawing/2014/main" id="{D0A79530-67F3-4C14-85AD-F59AB4DB418D}"/>
+                <a16:creationId xmlns:a16="http://schemas.microsoft.com/office/drawing/2014/main" id="{ABB7C2D0-D03F-0A7F-9C04-EEDE44C3B1D1}"/>
               </a:ext>
             </a:extLst>
           </p:cNvPr>
@@ -6413,14 +6929,13 @@
         <p:spPr/>
         <p:txBody>
           <a:bodyPr>
-            <a:normAutofit fontScale="40000" lnSpcReduction="20000"/>
+            <a:normAutofit fontScale="77500" lnSpcReduction="20000"/>
           </a:bodyPr>
           <a:lstStyle/>
           <a:p>
-            <a:r>
-              <a:rPr lang="hu-HU" dirty="0" err="1"/>
-              <a:t>abstract</a:t>
-            </a:r>
+            <a:pPr marL="0" indent="0">
+              <a:buNone/>
+            </a:pPr>
             <a:r>
               <a:rPr lang="hu-HU" dirty="0"/>
               <a:t> </a:t>
@@ -6435,31 +6950,33 @@
             </a:r>
             <a:r>
               <a:rPr lang="hu-HU" dirty="0" err="1"/>
-              <a:t>Szamla</a:t>
-            </a:r>
-            <a:r>
-              <a:rPr lang="hu-HU" dirty="0"/>
-              <a:t> : </a:t>
-            </a:r>
-            <a:r>
-              <a:rPr lang="hu-HU" dirty="0" err="1"/>
-              <a:t>Iszamla</a:t>
-            </a:r>
-            <a:r>
-              <a:rPr lang="hu-HU" dirty="0"/>
-              <a:t> //osztály neve C# jelölni kell az </a:t>
-            </a:r>
-            <a:r>
-              <a:rPr lang="hu-HU" dirty="0" err="1"/>
-              <a:t>abstract</a:t>
-            </a:r>
-            <a:r>
-              <a:rPr lang="hu-HU" dirty="0"/>
-              <a:t> osztályt, öröklés az </a:t>
-            </a:r>
-            <a:r>
-              <a:rPr lang="hu-HU" dirty="0" err="1"/>
-              <a:t>Iszamla</a:t>
+              <a:t>Allat</a:t>
+            </a:r>
+            <a:r>
+              <a:rPr lang="hu-HU" dirty="0"/>
+              <a:t> //Osztály neve</a:t>
+            </a:r>
+          </a:p>
+          <a:p>
+            <a:pPr marL="0" indent="0">
+              <a:buNone/>
+            </a:pPr>
+            <a:r>
+              <a:rPr lang="hu-HU" dirty="0"/>
+              <a:t>    {</a:t>
+            </a:r>
+          </a:p>
+          <a:p>
+            <a:pPr marL="0" indent="0">
+              <a:buNone/>
+            </a:pPr>
+            <a:r>
+              <a:rPr lang="hu-HU" dirty="0"/>
+              <a:t>        </a:t>
+            </a:r>
+            <a:r>
+              <a:rPr lang="hu-HU" dirty="0" err="1"/>
+              <a:t>string</a:t>
             </a:r>
             <a:r>
               <a:rPr lang="hu-HU" dirty="0"/>
@@ -6467,23 +6984,128 @@
             </a:r>
             <a:r>
               <a:rPr lang="hu-HU" dirty="0" err="1"/>
-              <a:t>intefactől</a:t>
-            </a:r>
+              <a:t>nev</a:t>
+            </a:r>
+            <a:r>
+              <a:rPr lang="hu-HU" dirty="0"/>
+              <a:t>;  //Adatagok</a:t>
+            </a:r>
+          </a:p>
+          <a:p>
+            <a:pPr marL="0" indent="0">
+              <a:buNone/>
+            </a:pPr>
+            <a:r>
+              <a:rPr lang="hu-HU" dirty="0"/>
+              <a:t>        </a:t>
+            </a:r>
+            <a:r>
+              <a:rPr lang="hu-HU" dirty="0" err="1"/>
+              <a:t>kategoria</a:t>
+            </a:r>
+            <a:r>
+              <a:rPr lang="hu-HU" dirty="0"/>
+              <a:t> </a:t>
+            </a:r>
+            <a:r>
+              <a:rPr lang="hu-HU" dirty="0" err="1"/>
+              <a:t>Kategoria</a:t>
+            </a:r>
+            <a:r>
+              <a:rPr lang="hu-HU" dirty="0"/>
+              <a:t>;</a:t>
+            </a:r>
+          </a:p>
+          <a:p>
+            <a:pPr marL="0" indent="0">
+              <a:buNone/>
+            </a:pPr>
             <a:endParaRPr lang="hu-HU" dirty="0"/>
           </a:p>
           <a:p>
-            <a:r>
-              <a:rPr lang="hu-HU" dirty="0"/>
-              <a:t>    {</a:t>
-            </a:r>
-          </a:p>
-          <a:p>
+            <a:pPr marL="0" indent="0">
+              <a:buNone/>
+            </a:pPr>
             <a:r>
               <a:rPr lang="hu-HU" dirty="0"/>
               <a:t>        </a:t>
             </a:r>
             <a:r>
               <a:rPr lang="hu-HU" dirty="0" err="1"/>
+              <a:t>public</a:t>
+            </a:r>
+            <a:r>
+              <a:rPr lang="hu-HU" dirty="0"/>
+              <a:t> </a:t>
+            </a:r>
+            <a:r>
+              <a:rPr lang="hu-HU" dirty="0" err="1"/>
+              <a:t>kategoria</a:t>
+            </a:r>
+            <a:r>
+              <a:rPr lang="hu-HU" dirty="0"/>
+              <a:t> </a:t>
+            </a:r>
+            <a:r>
+              <a:rPr lang="hu-HU" dirty="0" err="1"/>
+              <a:t>Allat_Kategoria</a:t>
+            </a:r>
+            <a:r>
+              <a:rPr lang="hu-HU" dirty="0"/>
+              <a:t> { </a:t>
+            </a:r>
+            <a:r>
+              <a:rPr lang="hu-HU" dirty="0" err="1"/>
+              <a:t>get</a:t>
+            </a:r>
+            <a:r>
+              <a:rPr lang="hu-HU" dirty="0"/>
+              <a:t> =&gt; </a:t>
+            </a:r>
+            <a:r>
+              <a:rPr lang="hu-HU" dirty="0" err="1"/>
+              <a:t>Kategoria</a:t>
+            </a:r>
+            <a:r>
+              <a:rPr lang="hu-HU" dirty="0"/>
+              <a:t>; }</a:t>
+            </a:r>
+          </a:p>
+          <a:p>
+            <a:pPr marL="0" indent="0">
+              <a:buNone/>
+            </a:pPr>
+            <a:r>
+              <a:rPr lang="hu-HU" dirty="0"/>
+              <a:t>       </a:t>
+            </a:r>
+          </a:p>
+          <a:p>
+            <a:pPr marL="0" indent="0">
+              <a:buNone/>
+            </a:pPr>
+            <a:r>
+              <a:rPr lang="hu-HU" dirty="0"/>
+              <a:t>        </a:t>
+            </a:r>
+            <a:r>
+              <a:rPr lang="hu-HU" dirty="0" err="1"/>
+              <a:t>public</a:t>
+            </a:r>
+            <a:r>
+              <a:rPr lang="hu-HU" dirty="0"/>
+              <a:t> </a:t>
+            </a:r>
+            <a:r>
+              <a:rPr lang="hu-HU" dirty="0" err="1"/>
+              <a:t>Allat</a:t>
+            </a:r>
+            <a:r>
+              <a:rPr lang="hu-HU" dirty="0"/>
+              <a:t>(</a:t>
+            </a:r>
+            <a:r>
+              <a:rPr lang="hu-HU" dirty="0" err="1"/>
               <a:t>string</a:t>
             </a:r>
             <a:r>
@@ -6492,49 +7114,7 @@
             </a:r>
             <a:r>
               <a:rPr lang="hu-HU" dirty="0" err="1"/>
-              <a:t>szamlaszam</a:t>
-            </a:r>
-            <a:r>
-              <a:rPr lang="hu-HU" dirty="0"/>
-              <a:t>; //</a:t>
-            </a:r>
-            <a:r>
-              <a:rPr lang="hu-HU" dirty="0" err="1"/>
-              <a:t>adatagok</a:t>
-            </a:r>
-            <a:endParaRPr lang="hu-HU" dirty="0"/>
-          </a:p>
-          <a:p>
-            <a:r>
-              <a:rPr lang="hu-HU" dirty="0"/>
-              <a:t>        </a:t>
-            </a:r>
-            <a:r>
-              <a:rPr lang="hu-HU" dirty="0" err="1"/>
-              <a:t>string</a:t>
-            </a:r>
-            <a:r>
-              <a:rPr lang="hu-HU" dirty="0"/>
-              <a:t> tulajdonos;</a:t>
-            </a:r>
-          </a:p>
-          <a:p>
-            <a:r>
-              <a:rPr lang="hu-HU" dirty="0"/>
-              <a:t>        int egyenleg;</a:t>
-            </a:r>
-          </a:p>
-          <a:p>
-            <a:endParaRPr lang="hu-HU" dirty="0"/>
-          </a:p>
-          <a:p>
-            <a:r>
-              <a:rPr lang="hu-HU" dirty="0"/>
-              <a:t>        </a:t>
-            </a:r>
-            <a:r>
-              <a:rPr lang="hu-HU" dirty="0" err="1"/>
-              <a:t>public</a:t>
+              <a:t>nev,kategoria</a:t>
             </a:r>
             <a:r>
               <a:rPr lang="hu-HU" dirty="0"/>
@@ -6542,171 +7122,33 @@
             </a:r>
             <a:r>
               <a:rPr lang="hu-HU" dirty="0" err="1"/>
-              <a:t>string</a:t>
-            </a:r>
-            <a:r>
-              <a:rPr lang="hu-HU" dirty="0"/>
-              <a:t> </a:t>
-            </a:r>
-            <a:r>
-              <a:rPr lang="hu-HU" dirty="0" err="1"/>
-              <a:t>Szamlaszam</a:t>
-            </a:r>
-            <a:r>
-              <a:rPr lang="hu-HU" dirty="0"/>
-              <a:t> { </a:t>
-            </a:r>
-            <a:r>
-              <a:rPr lang="hu-HU" dirty="0" err="1"/>
-              <a:t>get</a:t>
-            </a:r>
-            <a:r>
-              <a:rPr lang="hu-HU" dirty="0"/>
-              <a:t> =&gt; </a:t>
-            </a:r>
-            <a:r>
-              <a:rPr lang="hu-HU" dirty="0" err="1"/>
-              <a:t>szamlaszam</a:t>
-            </a:r>
-            <a:r>
-              <a:rPr lang="hu-HU" dirty="0"/>
-              <a:t>; } //</a:t>
-            </a:r>
-            <a:r>
-              <a:rPr lang="hu-HU" dirty="0" err="1"/>
-              <a:t>Encapsuláció</a:t>
-            </a:r>
-            <a:r>
-              <a:rPr lang="hu-HU" dirty="0"/>
-              <a:t> csak olvasható </a:t>
-            </a:r>
-          </a:p>
-          <a:p>
-            <a:r>
-              <a:rPr lang="hu-HU" dirty="0"/>
-              <a:t>        </a:t>
-            </a:r>
-            <a:r>
-              <a:rPr lang="hu-HU" dirty="0" err="1"/>
-              <a:t>public</a:t>
-            </a:r>
-            <a:r>
-              <a:rPr lang="hu-HU" dirty="0"/>
-              <a:t> </a:t>
-            </a:r>
-            <a:r>
-              <a:rPr lang="hu-HU" dirty="0" err="1"/>
-              <a:t>string</a:t>
-            </a:r>
-            <a:r>
-              <a:rPr lang="hu-HU" dirty="0"/>
-              <a:t> Tulajdonos { </a:t>
-            </a:r>
-            <a:r>
-              <a:rPr lang="hu-HU" dirty="0" err="1"/>
-              <a:t>get</a:t>
-            </a:r>
-            <a:r>
-              <a:rPr lang="hu-HU" dirty="0"/>
-              <a:t> =&gt; tulajdonos; }</a:t>
-            </a:r>
-          </a:p>
-          <a:p>
-            <a:r>
-              <a:rPr lang="hu-HU" dirty="0"/>
-              <a:t>        </a:t>
-            </a:r>
-            <a:r>
-              <a:rPr lang="hu-HU" dirty="0" err="1"/>
-              <a:t>public</a:t>
-            </a:r>
-            <a:r>
-              <a:rPr lang="hu-HU" dirty="0"/>
-              <a:t> int Egyenleg { </a:t>
-            </a:r>
-            <a:r>
-              <a:rPr lang="hu-HU" dirty="0" err="1"/>
-              <a:t>get</a:t>
-            </a:r>
-            <a:r>
-              <a:rPr lang="hu-HU" dirty="0"/>
-              <a:t> =&gt; egyenleg; }</a:t>
-            </a:r>
-          </a:p>
-          <a:p>
-            <a:endParaRPr lang="hu-HU" dirty="0"/>
-          </a:p>
-          <a:p>
-            <a:r>
-              <a:rPr lang="hu-HU" dirty="0"/>
-              <a:t>        </a:t>
-            </a:r>
-            <a:r>
-              <a:rPr lang="hu-HU" dirty="0" err="1"/>
-              <a:t>public</a:t>
-            </a:r>
-            <a:r>
-              <a:rPr lang="hu-HU" dirty="0"/>
-              <a:t> </a:t>
-            </a:r>
-            <a:r>
-              <a:rPr lang="hu-HU" dirty="0" err="1"/>
-              <a:t>Szamla</a:t>
-            </a:r>
-            <a:r>
-              <a:rPr lang="hu-HU" dirty="0"/>
-              <a:t>(</a:t>
-            </a:r>
-            <a:r>
-              <a:rPr lang="hu-HU" dirty="0" err="1"/>
-              <a:t>string</a:t>
-            </a:r>
-            <a:r>
-              <a:rPr lang="hu-HU" dirty="0"/>
-              <a:t> </a:t>
-            </a:r>
-            <a:r>
-              <a:rPr lang="hu-HU" dirty="0" err="1"/>
-              <a:t>szamlaszam</a:t>
-            </a:r>
-            <a:r>
-              <a:rPr lang="hu-HU" dirty="0"/>
-              <a:t>, </a:t>
-            </a:r>
-            <a:r>
-              <a:rPr lang="hu-HU" dirty="0" err="1"/>
-              <a:t>string</a:t>
-            </a:r>
-            <a:r>
-              <a:rPr lang="hu-HU" dirty="0"/>
-              <a:t> tulajdonos, //konstruktor ámbár c# nyelvben nem </a:t>
-            </a:r>
-            <a:r>
-              <a:rPr lang="hu-HU" dirty="0" err="1"/>
-              <a:t>példányosítható</a:t>
-            </a:r>
-            <a:endParaRPr lang="hu-HU" dirty="0"/>
-          </a:p>
-          <a:p>
-            <a:r>
-              <a:rPr lang="hu-HU" dirty="0"/>
-              <a:t>            int egyenleg)</a:t>
-            </a:r>
-          </a:p>
-          <a:p>
+              <a:t>kategoria</a:t>
+            </a:r>
+            <a:r>
+              <a:rPr lang="hu-HU" dirty="0"/>
+              <a:t>) //konstruktor</a:t>
+            </a:r>
+          </a:p>
+          <a:p>
+            <a:pPr marL="0" indent="0">
+              <a:buNone/>
+            </a:pPr>
             <a:r>
               <a:rPr lang="hu-HU" dirty="0"/>
               <a:t>        {</a:t>
             </a:r>
           </a:p>
           <a:p>
+            <a:pPr marL="0" indent="0">
+              <a:buNone/>
+            </a:pPr>
             <a:r>
               <a:rPr lang="hu-HU" dirty="0"/>
               <a:t>            </a:t>
             </a:r>
             <a:r>
               <a:rPr lang="hu-HU" dirty="0" err="1"/>
-              <a:t>this.szamlaszam</a:t>
+              <a:t>this.nev</a:t>
             </a:r>
             <a:r>
               <a:rPr lang="hu-HU" dirty="0"/>
@@ -6714,7 +7156,7 @@
             </a:r>
             <a:r>
               <a:rPr lang="hu-HU" dirty="0" err="1"/>
-              <a:t>szamlaszam</a:t>
+              <a:t>nev</a:t>
             </a:r>
             <a:r>
               <a:rPr lang="hu-HU" dirty="0"/>
@@ -6722,43 +7164,46 @@
             </a:r>
           </a:p>
           <a:p>
+            <a:pPr marL="0" indent="0">
+              <a:buNone/>
+            </a:pPr>
             <a:r>
               <a:rPr lang="hu-HU" dirty="0"/>
               <a:t>            </a:t>
             </a:r>
             <a:r>
               <a:rPr lang="hu-HU" dirty="0" err="1"/>
-              <a:t>this.tulajdonos</a:t>
-            </a:r>
-            <a:r>
-              <a:rPr lang="hu-HU" dirty="0"/>
-              <a:t> = tulajdonos;</a:t>
-            </a:r>
-          </a:p>
-          <a:p>
-            <a:r>
-              <a:rPr lang="hu-HU" dirty="0"/>
-              <a:t>            </a:t>
-            </a:r>
-            <a:r>
-              <a:rPr lang="hu-HU" dirty="0" err="1"/>
-              <a:t>this.egyenleg</a:t>
-            </a:r>
-            <a:r>
-              <a:rPr lang="hu-HU" dirty="0"/>
-              <a:t> = egyenleg;</a:t>
-            </a:r>
-          </a:p>
-          <a:p>
+              <a:t>this.Kategoria</a:t>
+            </a:r>
+            <a:r>
+              <a:rPr lang="hu-HU" dirty="0"/>
+              <a:t> = </a:t>
+            </a:r>
+            <a:r>
+              <a:rPr lang="hu-HU" dirty="0" err="1"/>
+              <a:t>kategoria</a:t>
+            </a:r>
+            <a:r>
+              <a:rPr lang="hu-HU" dirty="0"/>
+              <a:t>;</a:t>
+            </a:r>
+          </a:p>
+          <a:p>
+            <a:pPr marL="0" indent="0">
+              <a:buNone/>
+            </a:pPr>
             <a:r>
               <a:rPr lang="hu-HU" dirty="0"/>
               <a:t>        }</a:t>
             </a:r>
           </a:p>
           <a:p>
-            <a:r>
-              <a:rPr lang="hu-HU" dirty="0"/>
-              <a:t>     </a:t>
+            <a:pPr marL="0" indent="0">
+              <a:buNone/>
+            </a:pPr>
+            <a:r>
+              <a:rPr lang="hu-HU" dirty="0"/>
+              <a:t>}</a:t>
             </a:r>
           </a:p>
         </p:txBody>
@@ -6766,7 +7211,7 @@
     </p:spTree>
     <p:extLst>
       <p:ext uri="{BB962C8B-B14F-4D97-AF65-F5344CB8AC3E}">
-        <p14:creationId xmlns:p14="http://schemas.microsoft.com/office/powerpoint/2010/main" val="73284877"/>
+        <p14:creationId xmlns:p14="http://schemas.microsoft.com/office/powerpoint/2010/main" val="959726258"/>
       </p:ext>
     </p:extLst>
   </p:cSld>
@@ -6798,7 +7243,7 @@
           <p:cNvPr id="2" name="Cím 1">
             <a:extLst>
               <a:ext uri="{FF2B5EF4-FFF2-40B4-BE49-F238E27FC236}">
-                <a16:creationId xmlns:a16="http://schemas.microsoft.com/office/drawing/2014/main" id="{804F627C-281D-6FBC-6B48-0E0A15C85513}"/>
+                <a16:creationId xmlns:a16="http://schemas.microsoft.com/office/drawing/2014/main" id="{0C56E280-50C5-B518-1731-6961939E474E}"/>
               </a:ext>
             </a:extLst>
           </p:cNvPr>
@@ -6816,7 +7261,15 @@
           <a:p>
             <a:r>
               <a:rPr lang="hu-HU" dirty="0"/>
-              <a:t>Polimorfizmus (Többalakúság)</a:t>
+              <a:t>Absztrakció, </a:t>
+            </a:r>
+            <a:r>
+              <a:rPr lang="hu-HU" dirty="0" err="1"/>
+              <a:t>Encapsuláció</a:t>
+            </a:r>
+            <a:r>
+              <a:rPr lang="hu-HU" dirty="0"/>
+              <a:t> (Adatrejtés) Példa</a:t>
             </a:r>
           </a:p>
         </p:txBody>
@@ -6826,7 +7279,7 @@
           <p:cNvPr id="3" name="Tartalom helye 2">
             <a:extLst>
               <a:ext uri="{FF2B5EF4-FFF2-40B4-BE49-F238E27FC236}">
-                <a16:creationId xmlns:a16="http://schemas.microsoft.com/office/drawing/2014/main" id="{57142404-F4A0-BDD6-7364-0E9248387091}"/>
+                <a16:creationId xmlns:a16="http://schemas.microsoft.com/office/drawing/2014/main" id="{D0A79530-67F3-4C14-85AD-F59AB4DB418D}"/>
               </a:ext>
             </a:extLst>
           </p:cNvPr>
@@ -6844,6 +7297,142 @@
           </a:bodyPr>
           <a:lstStyle/>
           <a:p>
+            <a:pPr marL="0" indent="0">
+              <a:buNone/>
+            </a:pPr>
+            <a:r>
+              <a:rPr lang="hu-HU" dirty="0" err="1"/>
+              <a:t>abstract</a:t>
+            </a:r>
+            <a:r>
+              <a:rPr lang="hu-HU" dirty="0"/>
+              <a:t> </a:t>
+            </a:r>
+            <a:r>
+              <a:rPr lang="hu-HU" dirty="0" err="1"/>
+              <a:t>class</a:t>
+            </a:r>
+            <a:r>
+              <a:rPr lang="hu-HU" dirty="0"/>
+              <a:t> </a:t>
+            </a:r>
+            <a:r>
+              <a:rPr lang="hu-HU" dirty="0" err="1"/>
+              <a:t>Szamla</a:t>
+            </a:r>
+            <a:r>
+              <a:rPr lang="hu-HU" dirty="0"/>
+              <a:t> : </a:t>
+            </a:r>
+            <a:r>
+              <a:rPr lang="hu-HU" dirty="0" err="1"/>
+              <a:t>Iszamla</a:t>
+            </a:r>
+            <a:r>
+              <a:rPr lang="hu-HU" dirty="0"/>
+              <a:t> //osztály neve C# jelölni kell az </a:t>
+            </a:r>
+            <a:r>
+              <a:rPr lang="hu-HU" dirty="0" err="1"/>
+              <a:t>abstract</a:t>
+            </a:r>
+            <a:r>
+              <a:rPr lang="hu-HU" dirty="0"/>
+              <a:t> osztályt, öröklés az </a:t>
+            </a:r>
+            <a:r>
+              <a:rPr lang="hu-HU" dirty="0" err="1"/>
+              <a:t>Iszamla</a:t>
+            </a:r>
+            <a:r>
+              <a:rPr lang="hu-HU" dirty="0"/>
+              <a:t> </a:t>
+            </a:r>
+            <a:r>
+              <a:rPr lang="hu-HU" dirty="0" err="1"/>
+              <a:t>intefactől</a:t>
+            </a:r>
+            <a:endParaRPr lang="hu-HU" dirty="0"/>
+          </a:p>
+          <a:p>
+            <a:pPr marL="0" indent="0">
+              <a:buNone/>
+            </a:pPr>
+            <a:r>
+              <a:rPr lang="hu-HU" dirty="0"/>
+              <a:t>    {</a:t>
+            </a:r>
+          </a:p>
+          <a:p>
+            <a:pPr marL="0" indent="0">
+              <a:buNone/>
+            </a:pPr>
+            <a:r>
+              <a:rPr lang="hu-HU" dirty="0"/>
+              <a:t>        </a:t>
+            </a:r>
+            <a:r>
+              <a:rPr lang="hu-HU" dirty="0" err="1"/>
+              <a:t>string</a:t>
+            </a:r>
+            <a:r>
+              <a:rPr lang="hu-HU" dirty="0"/>
+              <a:t> </a:t>
+            </a:r>
+            <a:r>
+              <a:rPr lang="hu-HU" dirty="0" err="1"/>
+              <a:t>szamlaszam</a:t>
+            </a:r>
+            <a:r>
+              <a:rPr lang="hu-HU" dirty="0"/>
+              <a:t>; //</a:t>
+            </a:r>
+            <a:r>
+              <a:rPr lang="hu-HU" dirty="0" err="1"/>
+              <a:t>adatagok</a:t>
+            </a:r>
+            <a:endParaRPr lang="hu-HU" dirty="0"/>
+          </a:p>
+          <a:p>
+            <a:pPr marL="0" indent="0">
+              <a:buNone/>
+            </a:pPr>
+            <a:r>
+              <a:rPr lang="hu-HU" dirty="0"/>
+              <a:t>        </a:t>
+            </a:r>
+            <a:r>
+              <a:rPr lang="hu-HU" dirty="0" err="1"/>
+              <a:t>string</a:t>
+            </a:r>
+            <a:r>
+              <a:rPr lang="hu-HU" dirty="0"/>
+              <a:t> tulajdonos;</a:t>
+            </a:r>
+          </a:p>
+          <a:p>
+            <a:pPr marL="0" indent="0">
+              <a:buNone/>
+            </a:pPr>
+            <a:r>
+              <a:rPr lang="hu-HU" dirty="0"/>
+              <a:t>        int egyenleg;</a:t>
+            </a:r>
+          </a:p>
+          <a:p>
+            <a:pPr marL="0" indent="0">
+              <a:buNone/>
+            </a:pPr>
+            <a:endParaRPr lang="hu-HU" dirty="0"/>
+          </a:p>
+          <a:p>
+            <a:pPr marL="0" indent="0">
+              <a:buNone/>
+            </a:pPr>
+            <a:r>
+              <a:rPr lang="hu-HU" dirty="0"/>
+              <a:t>        </a:t>
+            </a:r>
             <a:r>
               <a:rPr lang="hu-HU" dirty="0" err="1"/>
               <a:t>public</a:t>
@@ -6854,7 +7443,7 @@
             </a:r>
             <a:r>
               <a:rPr lang="hu-HU" dirty="0" err="1"/>
-              <a:t>class</a:t>
+              <a:t>string</a:t>
             </a:r>
             <a:r>
               <a:rPr lang="hu-HU" dirty="0"/>
@@ -6862,20 +7451,108 @@
             </a:r>
             <a:r>
               <a:rPr lang="hu-HU" dirty="0" err="1"/>
-              <a:t>BaseClass</a:t>
-            </a:r>
+              <a:t>Szamlaszam</a:t>
+            </a:r>
+            <a:r>
+              <a:rPr lang="hu-HU" dirty="0"/>
+              <a:t> { </a:t>
+            </a:r>
+            <a:r>
+              <a:rPr lang="hu-HU" dirty="0" err="1"/>
+              <a:t>get</a:t>
+            </a:r>
+            <a:r>
+              <a:rPr lang="hu-HU" dirty="0"/>
+              <a:t> =&gt; </a:t>
+            </a:r>
+            <a:r>
+              <a:rPr lang="hu-HU" dirty="0" err="1"/>
+              <a:t>szamlaszam</a:t>
+            </a:r>
+            <a:r>
+              <a:rPr lang="hu-HU" dirty="0"/>
+              <a:t>; } //</a:t>
+            </a:r>
+            <a:r>
+              <a:rPr lang="hu-HU" dirty="0" err="1"/>
+              <a:t>Encapsuláció</a:t>
+            </a:r>
+            <a:r>
+              <a:rPr lang="hu-HU" dirty="0"/>
+              <a:t> csak olvasható </a:t>
+            </a:r>
+          </a:p>
+          <a:p>
+            <a:pPr marL="0" indent="0">
+              <a:buNone/>
+            </a:pPr>
+            <a:r>
+              <a:rPr lang="hu-HU" dirty="0"/>
+              <a:t>        </a:t>
+            </a:r>
+            <a:r>
+              <a:rPr lang="hu-HU" dirty="0" err="1"/>
+              <a:t>public</a:t>
+            </a:r>
+            <a:r>
+              <a:rPr lang="hu-HU" dirty="0"/>
+              <a:t> </a:t>
+            </a:r>
+            <a:r>
+              <a:rPr lang="hu-HU" dirty="0" err="1"/>
+              <a:t>string</a:t>
+            </a:r>
+            <a:r>
+              <a:rPr lang="hu-HU" dirty="0"/>
+              <a:t> Tulajdonos { </a:t>
+            </a:r>
+            <a:r>
+              <a:rPr lang="hu-HU" dirty="0" err="1"/>
+              <a:t>get</a:t>
+            </a:r>
+            <a:r>
+              <a:rPr lang="hu-HU" dirty="0"/>
+              <a:t> =&gt; tulajdonos; }</a:t>
+            </a:r>
+          </a:p>
+          <a:p>
+            <a:pPr marL="0" indent="0">
+              <a:buNone/>
+            </a:pPr>
+            <a:r>
+              <a:rPr lang="hu-HU" dirty="0"/>
+              <a:t>        </a:t>
+            </a:r>
+            <a:r>
+              <a:rPr lang="hu-HU" dirty="0" err="1"/>
+              <a:t>public</a:t>
+            </a:r>
+            <a:r>
+              <a:rPr lang="hu-HU" dirty="0"/>
+              <a:t> int Egyenleg { </a:t>
+            </a:r>
+            <a:r>
+              <a:rPr lang="hu-HU" dirty="0" err="1"/>
+              <a:t>get</a:t>
+            </a:r>
+            <a:r>
+              <a:rPr lang="hu-HU" dirty="0"/>
+              <a:t> =&gt; egyenleg; }</a:t>
+            </a:r>
+          </a:p>
+          <a:p>
+            <a:pPr marL="0" indent="0">
+              <a:buNone/>
+            </a:pPr>
             <a:endParaRPr lang="hu-HU" dirty="0"/>
           </a:p>
           <a:p>
-            <a:r>
-              <a:rPr lang="hu-HU" dirty="0"/>
-              <a:t>{</a:t>
-            </a:r>
-          </a:p>
-          <a:p>
-            <a:r>
-              <a:rPr lang="hu-HU" dirty="0"/>
-              <a:t>    </a:t>
+            <a:pPr marL="0" indent="0">
+              <a:buNone/>
+            </a:pPr>
+            <a:r>
+              <a:rPr lang="hu-HU" dirty="0"/>
+              <a:t>        </a:t>
             </a:r>
             <a:r>
               <a:rPr lang="hu-HU" dirty="0" err="1"/>
@@ -6887,7 +7564,15 @@
             </a:r>
             <a:r>
               <a:rPr lang="hu-HU" dirty="0" err="1"/>
-              <a:t>virtual</a:t>
+              <a:t>Szamla</a:t>
+            </a:r>
+            <a:r>
+              <a:rPr lang="hu-HU" dirty="0"/>
+              <a:t>(</a:t>
+            </a:r>
+            <a:r>
+              <a:rPr lang="hu-HU" dirty="0" err="1"/>
+              <a:t>string</a:t>
             </a:r>
             <a:r>
               <a:rPr lang="hu-HU" dirty="0"/>
@@ -6895,258 +7580,124 @@
             </a:r>
             <a:r>
               <a:rPr lang="hu-HU" dirty="0" err="1"/>
-              <a:t>void</a:t>
-            </a:r>
-            <a:r>
-              <a:rPr lang="hu-HU" dirty="0"/>
-              <a:t> </a:t>
-            </a:r>
-            <a:r>
-              <a:rPr lang="hu-HU" dirty="0" err="1"/>
-              <a:t>DoWork</a:t>
-            </a:r>
-            <a:r>
-              <a:rPr lang="hu-HU" dirty="0"/>
-              <a:t>() { }</a:t>
-            </a:r>
-          </a:p>
-          <a:p>
-            <a:r>
-              <a:rPr lang="hu-HU" dirty="0"/>
-              <a:t>    </a:t>
-            </a:r>
-            <a:r>
-              <a:rPr lang="hu-HU" dirty="0" err="1"/>
-              <a:t>public</a:t>
-            </a:r>
-            <a:r>
-              <a:rPr lang="hu-HU" dirty="0"/>
-              <a:t> </a:t>
-            </a:r>
-            <a:r>
-              <a:rPr lang="hu-HU" dirty="0" err="1"/>
-              <a:t>virtual</a:t>
-            </a:r>
-            <a:r>
-              <a:rPr lang="hu-HU" dirty="0"/>
-              <a:t> int </a:t>
-            </a:r>
-            <a:r>
-              <a:rPr lang="hu-HU" dirty="0" err="1"/>
-              <a:t>WorkProperty</a:t>
-            </a:r>
-            <a:r>
-              <a:rPr lang="hu-HU" dirty="0"/>
-              <a:t> //alap metódus csak </a:t>
-            </a:r>
-            <a:r>
-              <a:rPr lang="hu-HU" dirty="0" err="1"/>
-              <a:t>absztrackt</a:t>
-            </a:r>
-            <a:r>
-              <a:rPr lang="hu-HU" dirty="0"/>
-              <a:t> vagy </a:t>
-            </a:r>
-            <a:r>
-              <a:rPr lang="hu-HU" dirty="0" err="1"/>
-              <a:t>virtual</a:t>
-            </a:r>
-            <a:r>
-              <a:rPr lang="hu-HU" dirty="0"/>
-              <a:t> esetén lehetséges</a:t>
-            </a:r>
-          </a:p>
-          <a:p>
-            <a:r>
-              <a:rPr lang="hu-HU" dirty="0"/>
-              <a:t>    {</a:t>
-            </a:r>
-          </a:p>
-          <a:p>
-            <a:r>
-              <a:rPr lang="hu-HU" dirty="0"/>
-              <a:t>        </a:t>
-            </a:r>
-            <a:r>
-              <a:rPr lang="hu-HU" dirty="0" err="1"/>
-              <a:t>get</a:t>
-            </a:r>
-            <a:r>
-              <a:rPr lang="hu-HU" dirty="0"/>
-              <a:t> { </a:t>
-            </a:r>
-            <a:r>
-              <a:rPr lang="hu-HU" dirty="0" err="1"/>
-              <a:t>return</a:t>
-            </a:r>
-            <a:r>
-              <a:rPr lang="hu-HU" dirty="0"/>
-              <a:t> 0; }</a:t>
-            </a:r>
-          </a:p>
-          <a:p>
-            <a:r>
-              <a:rPr lang="hu-HU" dirty="0"/>
-              <a:t>    }</a:t>
-            </a:r>
-          </a:p>
-          <a:p>
-            <a:r>
-              <a:rPr lang="hu-HU" dirty="0"/>
-              <a:t>}</a:t>
-            </a:r>
-          </a:p>
-          <a:p>
-            <a:r>
-              <a:rPr lang="hu-HU" dirty="0" err="1"/>
-              <a:t>public</a:t>
-            </a:r>
-            <a:r>
-              <a:rPr lang="hu-HU" dirty="0"/>
-              <a:t> </a:t>
-            </a:r>
-            <a:r>
-              <a:rPr lang="hu-HU" dirty="0" err="1"/>
-              <a:t>class</a:t>
-            </a:r>
-            <a:r>
-              <a:rPr lang="hu-HU" dirty="0"/>
-              <a:t> </a:t>
-            </a:r>
-            <a:r>
-              <a:rPr lang="hu-HU" dirty="0" err="1"/>
-              <a:t>DerivedClass</a:t>
-            </a:r>
-            <a:r>
-              <a:rPr lang="hu-HU" dirty="0"/>
-              <a:t> : </a:t>
-            </a:r>
-            <a:r>
-              <a:rPr lang="hu-HU" dirty="0" err="1"/>
-              <a:t>BaseClass</a:t>
+              <a:t>szamlaszam</a:t>
+            </a:r>
+            <a:r>
+              <a:rPr lang="hu-HU" dirty="0"/>
+              <a:t>, </a:t>
+            </a:r>
+            <a:r>
+              <a:rPr lang="hu-HU" dirty="0" err="1"/>
+              <a:t>string</a:t>
+            </a:r>
+            <a:r>
+              <a:rPr lang="hu-HU" dirty="0"/>
+              <a:t> tulajdonos, //konstruktor ámbár c# nyelvben nem </a:t>
+            </a:r>
+            <a:r>
+              <a:rPr lang="hu-HU" dirty="0" err="1"/>
+              <a:t>példányosítható</a:t>
             </a:r>
             <a:endParaRPr lang="hu-HU" dirty="0"/>
           </a:p>
           <a:p>
-            <a:r>
-              <a:rPr lang="hu-HU" dirty="0"/>
-              <a:t>{</a:t>
-            </a:r>
-          </a:p>
-          <a:p>
-            <a:r>
-              <a:rPr lang="hu-HU" dirty="0"/>
-              <a:t>    </a:t>
-            </a:r>
-            <a:r>
-              <a:rPr lang="hu-HU" dirty="0" err="1"/>
-              <a:t>public</a:t>
-            </a:r>
-            <a:r>
-              <a:rPr lang="hu-HU" dirty="0"/>
-              <a:t> </a:t>
-            </a:r>
-            <a:r>
-              <a:rPr lang="hu-HU" dirty="0" err="1"/>
-              <a:t>override</a:t>
-            </a:r>
-            <a:r>
-              <a:rPr lang="hu-HU" dirty="0"/>
-              <a:t> </a:t>
-            </a:r>
-            <a:r>
-              <a:rPr lang="hu-HU" dirty="0" err="1"/>
-              <a:t>void</a:t>
-            </a:r>
-            <a:r>
-              <a:rPr lang="hu-HU" dirty="0"/>
-              <a:t> </a:t>
-            </a:r>
-            <a:r>
-              <a:rPr lang="hu-HU" dirty="0" err="1"/>
-              <a:t>DoWork</a:t>
-            </a:r>
-            <a:r>
-              <a:rPr lang="hu-HU" dirty="0"/>
-              <a:t>() { }</a:t>
-            </a:r>
-          </a:p>
-          <a:p>
-            <a:r>
-              <a:rPr lang="hu-HU" dirty="0"/>
-              <a:t>    </a:t>
-            </a:r>
-            <a:r>
-              <a:rPr lang="hu-HU" dirty="0" err="1"/>
-              <a:t>public</a:t>
-            </a:r>
-            <a:r>
-              <a:rPr lang="hu-HU" dirty="0"/>
-              <a:t> </a:t>
-            </a:r>
-            <a:r>
-              <a:rPr lang="hu-HU" dirty="0" err="1"/>
-              <a:t>override</a:t>
-            </a:r>
-            <a:r>
-              <a:rPr lang="hu-HU" dirty="0"/>
-              <a:t> int </a:t>
-            </a:r>
-            <a:r>
-              <a:rPr lang="hu-HU" dirty="0" err="1"/>
-              <a:t>WorkProperty</a:t>
-            </a:r>
-            <a:r>
-              <a:rPr lang="hu-HU" dirty="0"/>
-              <a:t> //metódus felülírása</a:t>
-            </a:r>
-          </a:p>
-          <a:p>
-            <a:r>
-              <a:rPr lang="hu-HU" dirty="0"/>
-              <a:t>    {</a:t>
-            </a:r>
-          </a:p>
-          <a:p>
-            <a:r>
-              <a:rPr lang="hu-HU" dirty="0"/>
-              <a:t>        </a:t>
-            </a:r>
-            <a:r>
-              <a:rPr lang="hu-HU" dirty="0" err="1"/>
-              <a:t>get</a:t>
-            </a:r>
-            <a:r>
-              <a:rPr lang="hu-HU" dirty="0"/>
-              <a:t> { </a:t>
-            </a:r>
-            <a:r>
-              <a:rPr lang="hu-HU" dirty="0" err="1"/>
-              <a:t>return</a:t>
-            </a:r>
-            <a:r>
-              <a:rPr lang="hu-HU" dirty="0"/>
-              <a:t> 0; }</a:t>
-            </a:r>
-          </a:p>
-          <a:p>
-            <a:r>
-              <a:rPr lang="hu-HU" dirty="0"/>
-              <a:t>    }</a:t>
-            </a:r>
-          </a:p>
-          <a:p>
-            <a:r>
-              <a:rPr lang="hu-HU" dirty="0"/>
-              <a:t>}</a:t>
-            </a:r>
+            <a:pPr marL="0" indent="0">
+              <a:buNone/>
+            </a:pPr>
+            <a:r>
+              <a:rPr lang="hu-HU" dirty="0"/>
+              <a:t>            int egyenleg)</a:t>
+            </a:r>
+          </a:p>
+          <a:p>
+            <a:pPr marL="0" indent="0">
+              <a:buNone/>
+            </a:pPr>
+            <a:r>
+              <a:rPr lang="hu-HU" dirty="0"/>
+              <a:t>        {</a:t>
+            </a:r>
+          </a:p>
+          <a:p>
+            <a:pPr marL="0" indent="0">
+              <a:buNone/>
+            </a:pPr>
+            <a:r>
+              <a:rPr lang="hu-HU" dirty="0"/>
+              <a:t>            </a:t>
+            </a:r>
+            <a:r>
+              <a:rPr lang="hu-HU" dirty="0" err="1"/>
+              <a:t>this.szamlaszam</a:t>
+            </a:r>
+            <a:r>
+              <a:rPr lang="hu-HU" dirty="0"/>
+              <a:t> = </a:t>
+            </a:r>
+            <a:r>
+              <a:rPr lang="hu-HU" dirty="0" err="1"/>
+              <a:t>szamlaszam</a:t>
+            </a:r>
+            <a:r>
+              <a:rPr lang="hu-HU" dirty="0"/>
+              <a:t>;</a:t>
+            </a:r>
+          </a:p>
+          <a:p>
+            <a:pPr marL="0" indent="0">
+              <a:buNone/>
+            </a:pPr>
+            <a:r>
+              <a:rPr lang="hu-HU" dirty="0"/>
+              <a:t>            </a:t>
+            </a:r>
+            <a:r>
+              <a:rPr lang="hu-HU" dirty="0" err="1"/>
+              <a:t>this.tulajdonos</a:t>
+            </a:r>
+            <a:r>
+              <a:rPr lang="hu-HU" dirty="0"/>
+              <a:t> = tulajdonos;</a:t>
+            </a:r>
+          </a:p>
+          <a:p>
+            <a:pPr marL="0" indent="0">
+              <a:buNone/>
+            </a:pPr>
+            <a:r>
+              <a:rPr lang="hu-HU" dirty="0"/>
+              <a:t>            </a:t>
+            </a:r>
+            <a:r>
+              <a:rPr lang="hu-HU" dirty="0" err="1"/>
+              <a:t>this.egyenleg</a:t>
+            </a:r>
+            <a:r>
+              <a:rPr lang="hu-HU" dirty="0"/>
+              <a:t> = egyenleg;</a:t>
+            </a:r>
+          </a:p>
+          <a:p>
+            <a:pPr marL="0" indent="0">
+              <a:buNone/>
+            </a:pPr>
+            <a:r>
+              <a:rPr lang="hu-HU" dirty="0"/>
+              <a:t>        }</a:t>
+            </a:r>
+          </a:p>
+          <a:p>
+            <a:pPr marL="0" indent="0">
+              <a:buNone/>
+            </a:pPr>
+            <a:endParaRPr lang="hu-HU" dirty="0"/>
           </a:p>
         </p:txBody>
       </p:sp>
     </p:spTree>
     <p:extLst>
       <p:ext uri="{BB962C8B-B14F-4D97-AF65-F5344CB8AC3E}">
-        <p14:creationId xmlns:p14="http://schemas.microsoft.com/office/powerpoint/2010/main" val="2429642171"/>
+        <p14:creationId xmlns:p14="http://schemas.microsoft.com/office/powerpoint/2010/main" val="73284877"/>
       </p:ext>
     </p:extLst>
   </p:cSld>
@@ -7178,7 +7729,7 @@
           <p:cNvPr id="2" name="Cím 1">
             <a:extLst>
               <a:ext uri="{FF2B5EF4-FFF2-40B4-BE49-F238E27FC236}">
-                <a16:creationId xmlns:a16="http://schemas.microsoft.com/office/drawing/2014/main" id="{C83241ED-2709-9BF5-8EF7-32A95C444EB5}"/>
+                <a16:creationId xmlns:a16="http://schemas.microsoft.com/office/drawing/2014/main" id="{804F627C-281D-6FBC-6B48-0E0A15C85513}"/>
               </a:ext>
             </a:extLst>
           </p:cNvPr>
@@ -7196,71 +7747,377 @@
           <a:p>
             <a:r>
               <a:rPr lang="hu-HU" dirty="0"/>
-              <a:t>Láthatóság</a:t>
-            </a:r>
-          </a:p>
-        </p:txBody>
-      </p:sp>
-      <p:pic>
-        <p:nvPicPr>
-          <p:cNvPr id="5" name="Tartalom helye 4">
+              <a:t>Polimorfizmus (Többalakúság)</a:t>
+            </a:r>
+          </a:p>
+        </p:txBody>
+      </p:sp>
+      <p:sp>
+        <p:nvSpPr>
+          <p:cNvPr id="3" name="Tartalom helye 2">
             <a:extLst>
               <a:ext uri="{FF2B5EF4-FFF2-40B4-BE49-F238E27FC236}">
-                <a16:creationId xmlns:a16="http://schemas.microsoft.com/office/drawing/2014/main" id="{B72A56AE-7EE1-24A3-036F-5566454FDF9D}"/>
+                <a16:creationId xmlns:a16="http://schemas.microsoft.com/office/drawing/2014/main" id="{57142404-F4A0-BDD6-7364-0E9248387091}"/>
               </a:ext>
             </a:extLst>
           </p:cNvPr>
-          <p:cNvPicPr>
-            <a:picLocks noGrp="1" noChangeAspect="1"/>
-          </p:cNvPicPr>
+          <p:cNvSpPr>
+            <a:spLocks noGrp="1"/>
+          </p:cNvSpPr>
           <p:nvPr>
             <p:ph idx="1"/>
           </p:nvPr>
-        </p:nvPicPr>
-        <p:blipFill>
-          <a:blip r:embed="rId2"/>
-          <a:stretch>
-            <a:fillRect/>
-          </a:stretch>
-        </p:blipFill>
-        <p:spPr>
-          <a:xfrm>
-            <a:off x="2510940" y="4533020"/>
-            <a:ext cx="6954220" cy="1238423"/>
-          </a:xfrm>
-        </p:spPr>
-      </p:pic>
-      <p:sp>
-        <p:nvSpPr>
-          <p:cNvPr id="6" name="Szövegdoboz 5">
-            <a:extLst>
-              <a:ext uri="{FF2B5EF4-FFF2-40B4-BE49-F238E27FC236}">
-                <a16:creationId xmlns:a16="http://schemas.microsoft.com/office/drawing/2014/main" id="{1EB4ACA4-72DD-B3F0-A6BE-195A4A418507}"/>
-              </a:ext>
-            </a:extLst>
-          </p:cNvPr>
-          <p:cNvSpPr txBox="1"/>
-          <p:nvPr/>
-        </p:nvSpPr>
-        <p:spPr>
-          <a:xfrm>
-            <a:off x="2618890" y="2828835"/>
-            <a:ext cx="6846270" cy="1200329"/>
-          </a:xfrm>
-          <a:prstGeom prst="rect">
-            <a:avLst/>
-          </a:prstGeom>
-          <a:noFill/>
-        </p:spPr>
-        <p:txBody>
-          <a:bodyPr wrap="square" rtlCol="0">
-            <a:spAutoFit/>
+        </p:nvSpPr>
+        <p:spPr/>
+        <p:txBody>
+          <a:bodyPr>
+            <a:normAutofit fontScale="47500" lnSpcReduction="20000"/>
           </a:bodyPr>
           <a:lstStyle/>
           <a:p>
-            <a:r>
-              <a:rPr lang="hu-HU" dirty="0"/>
-              <a:t>A láthatóság fontos az objektumorientált programozásban (OOP), mert segít az adatok védelmében, az osztályok közötti megfelelő kapcsolat kialakításában, és jobb kódstruktúrát biztosít.</a:t>
+            <a:pPr marL="0" indent="0">
+              <a:buNone/>
+            </a:pPr>
+            <a:r>
+              <a:rPr lang="hu-HU" dirty="0" err="1"/>
+              <a:t>public</a:t>
+            </a:r>
+            <a:r>
+              <a:rPr lang="hu-HU" dirty="0"/>
+              <a:t> </a:t>
+            </a:r>
+            <a:r>
+              <a:rPr lang="hu-HU" dirty="0" err="1"/>
+              <a:t>class</a:t>
+            </a:r>
+            <a:r>
+              <a:rPr lang="hu-HU" dirty="0"/>
+              <a:t> </a:t>
+            </a:r>
+            <a:r>
+              <a:rPr lang="hu-HU" dirty="0" err="1"/>
+              <a:t>BaseClass</a:t>
+            </a:r>
+            <a:endParaRPr lang="hu-HU" dirty="0"/>
+          </a:p>
+          <a:p>
+            <a:pPr marL="0" indent="0">
+              <a:buNone/>
+            </a:pPr>
+            <a:r>
+              <a:rPr lang="hu-HU" dirty="0"/>
+              <a:t>{</a:t>
+            </a:r>
+          </a:p>
+          <a:p>
+            <a:pPr marL="0" indent="0">
+              <a:buNone/>
+            </a:pPr>
+            <a:r>
+              <a:rPr lang="hu-HU" dirty="0"/>
+              <a:t>    </a:t>
+            </a:r>
+            <a:r>
+              <a:rPr lang="hu-HU" dirty="0" err="1"/>
+              <a:t>public</a:t>
+            </a:r>
+            <a:r>
+              <a:rPr lang="hu-HU" dirty="0"/>
+              <a:t> </a:t>
+            </a:r>
+            <a:r>
+              <a:rPr lang="hu-HU" dirty="0" err="1"/>
+              <a:t>virtual</a:t>
+            </a:r>
+            <a:r>
+              <a:rPr lang="hu-HU" dirty="0"/>
+              <a:t> </a:t>
+            </a:r>
+            <a:r>
+              <a:rPr lang="hu-HU" dirty="0" err="1"/>
+              <a:t>void</a:t>
+            </a:r>
+            <a:r>
+              <a:rPr lang="hu-HU" dirty="0"/>
+              <a:t> </a:t>
+            </a:r>
+            <a:r>
+              <a:rPr lang="hu-HU" dirty="0" err="1"/>
+              <a:t>DoWork</a:t>
+            </a:r>
+            <a:r>
+              <a:rPr lang="hu-HU" dirty="0"/>
+              <a:t>() { }</a:t>
+            </a:r>
+          </a:p>
+          <a:p>
+            <a:pPr marL="0" indent="0">
+              <a:buNone/>
+            </a:pPr>
+            <a:r>
+              <a:rPr lang="hu-HU" dirty="0"/>
+              <a:t>    </a:t>
+            </a:r>
+            <a:r>
+              <a:rPr lang="hu-HU" dirty="0" err="1"/>
+              <a:t>public</a:t>
+            </a:r>
+            <a:r>
+              <a:rPr lang="hu-HU" dirty="0"/>
+              <a:t> </a:t>
+            </a:r>
+            <a:r>
+              <a:rPr lang="hu-HU" dirty="0" err="1"/>
+              <a:t>virtual</a:t>
+            </a:r>
+            <a:r>
+              <a:rPr lang="hu-HU" dirty="0"/>
+              <a:t> int </a:t>
+            </a:r>
+            <a:r>
+              <a:rPr lang="hu-HU" dirty="0" err="1"/>
+              <a:t>WorkProperty</a:t>
+            </a:r>
+            <a:r>
+              <a:rPr lang="hu-HU" dirty="0"/>
+              <a:t> //alap metódus csak </a:t>
+            </a:r>
+            <a:r>
+              <a:rPr lang="hu-HU" dirty="0" err="1"/>
+              <a:t>absztrackt</a:t>
+            </a:r>
+            <a:r>
+              <a:rPr lang="hu-HU" dirty="0"/>
+              <a:t> vagy </a:t>
+            </a:r>
+            <a:r>
+              <a:rPr lang="hu-HU" dirty="0" err="1"/>
+              <a:t>virtual</a:t>
+            </a:r>
+            <a:r>
+              <a:rPr lang="hu-HU" dirty="0"/>
+              <a:t> esetén lehetséges</a:t>
+            </a:r>
+          </a:p>
+          <a:p>
+            <a:pPr marL="0" indent="0">
+              <a:buNone/>
+            </a:pPr>
+            <a:r>
+              <a:rPr lang="hu-HU" dirty="0"/>
+              <a:t>    {</a:t>
+            </a:r>
+          </a:p>
+          <a:p>
+            <a:pPr marL="0" indent="0">
+              <a:buNone/>
+            </a:pPr>
+            <a:r>
+              <a:rPr lang="hu-HU" dirty="0"/>
+              <a:t>        </a:t>
+            </a:r>
+            <a:r>
+              <a:rPr lang="hu-HU" dirty="0" err="1"/>
+              <a:t>get</a:t>
+            </a:r>
+            <a:r>
+              <a:rPr lang="hu-HU" dirty="0"/>
+              <a:t> { </a:t>
+            </a:r>
+            <a:r>
+              <a:rPr lang="hu-HU" dirty="0" err="1"/>
+              <a:t>return</a:t>
+            </a:r>
+            <a:r>
+              <a:rPr lang="hu-HU" dirty="0"/>
+              <a:t> 0; }</a:t>
+            </a:r>
+          </a:p>
+          <a:p>
+            <a:pPr marL="0" indent="0">
+              <a:buNone/>
+            </a:pPr>
+            <a:r>
+              <a:rPr lang="hu-HU" dirty="0"/>
+              <a:t>    }</a:t>
+            </a:r>
+          </a:p>
+          <a:p>
+            <a:pPr marL="0" indent="0">
+              <a:buNone/>
+            </a:pPr>
+            <a:r>
+              <a:rPr lang="hu-HU" dirty="0"/>
+              <a:t>}</a:t>
+            </a:r>
+          </a:p>
+          <a:p>
+            <a:pPr marL="0" indent="0">
+              <a:buNone/>
+            </a:pPr>
+            <a:r>
+              <a:rPr lang="hu-HU" dirty="0" err="1"/>
+              <a:t>public</a:t>
+            </a:r>
+            <a:r>
+              <a:rPr lang="hu-HU" dirty="0"/>
+              <a:t> </a:t>
+            </a:r>
+            <a:r>
+              <a:rPr lang="hu-HU" dirty="0" err="1"/>
+              <a:t>class</a:t>
+            </a:r>
+            <a:r>
+              <a:rPr lang="hu-HU" dirty="0"/>
+              <a:t> </a:t>
+            </a:r>
+            <a:r>
+              <a:rPr lang="hu-HU" dirty="0" err="1"/>
+              <a:t>DerivedClass</a:t>
+            </a:r>
+            <a:r>
+              <a:rPr lang="hu-HU" dirty="0"/>
+              <a:t> : </a:t>
+            </a:r>
+            <a:r>
+              <a:rPr lang="hu-HU" dirty="0" err="1"/>
+              <a:t>BaseClass</a:t>
+            </a:r>
+            <a:endParaRPr lang="hu-HU" dirty="0"/>
+          </a:p>
+          <a:p>
+            <a:pPr marL="0" indent="0">
+              <a:buNone/>
+            </a:pPr>
+            <a:r>
+              <a:rPr lang="hu-HU" dirty="0"/>
+              <a:t>{</a:t>
+            </a:r>
+          </a:p>
+          <a:p>
+            <a:pPr marL="0" indent="0">
+              <a:buNone/>
+            </a:pPr>
+            <a:r>
+              <a:rPr lang="hu-HU" dirty="0"/>
+              <a:t>    </a:t>
+            </a:r>
+            <a:r>
+              <a:rPr lang="hu-HU" dirty="0" err="1"/>
+              <a:t>public</a:t>
+            </a:r>
+            <a:r>
+              <a:rPr lang="hu-HU" dirty="0"/>
+              <a:t> </a:t>
+            </a:r>
+            <a:r>
+              <a:rPr lang="hu-HU" dirty="0" err="1"/>
+              <a:t>override</a:t>
+            </a:r>
+            <a:r>
+              <a:rPr lang="hu-HU" dirty="0"/>
+              <a:t> </a:t>
+            </a:r>
+            <a:r>
+              <a:rPr lang="hu-HU" dirty="0" err="1"/>
+              <a:t>void</a:t>
+            </a:r>
+            <a:r>
+              <a:rPr lang="hu-HU" dirty="0"/>
+              <a:t> </a:t>
+            </a:r>
+            <a:r>
+              <a:rPr lang="hu-HU" dirty="0" err="1"/>
+              <a:t>DoWork</a:t>
+            </a:r>
+            <a:r>
+              <a:rPr lang="hu-HU" dirty="0"/>
+              <a:t>() { }</a:t>
+            </a:r>
+          </a:p>
+          <a:p>
+            <a:pPr marL="0" indent="0">
+              <a:buNone/>
+            </a:pPr>
+            <a:r>
+              <a:rPr lang="hu-HU" dirty="0"/>
+              <a:t>    </a:t>
+            </a:r>
+            <a:r>
+              <a:rPr lang="hu-HU" dirty="0" err="1"/>
+              <a:t>public</a:t>
+            </a:r>
+            <a:r>
+              <a:rPr lang="hu-HU" dirty="0"/>
+              <a:t> </a:t>
+            </a:r>
+            <a:r>
+              <a:rPr lang="hu-HU" dirty="0" err="1"/>
+              <a:t>override</a:t>
+            </a:r>
+            <a:r>
+              <a:rPr lang="hu-HU" dirty="0"/>
+              <a:t> int </a:t>
+            </a:r>
+            <a:r>
+              <a:rPr lang="hu-HU" dirty="0" err="1"/>
+              <a:t>WorkProperty</a:t>
+            </a:r>
+            <a:r>
+              <a:rPr lang="hu-HU" dirty="0"/>
+              <a:t> //metódus felülírása</a:t>
+            </a:r>
+          </a:p>
+          <a:p>
+            <a:pPr marL="0" indent="0">
+              <a:buNone/>
+            </a:pPr>
+            <a:r>
+              <a:rPr lang="hu-HU" dirty="0"/>
+              <a:t>    {</a:t>
+            </a:r>
+          </a:p>
+          <a:p>
+            <a:pPr marL="0" indent="0">
+              <a:buNone/>
+            </a:pPr>
+            <a:r>
+              <a:rPr lang="hu-HU" dirty="0"/>
+              <a:t>        </a:t>
+            </a:r>
+            <a:r>
+              <a:rPr lang="hu-HU" dirty="0" err="1"/>
+              <a:t>get</a:t>
+            </a:r>
+            <a:r>
+              <a:rPr lang="hu-HU" dirty="0"/>
+              <a:t> { </a:t>
+            </a:r>
+            <a:r>
+              <a:rPr lang="hu-HU" dirty="0" err="1"/>
+              <a:t>return</a:t>
+            </a:r>
+            <a:r>
+              <a:rPr lang="hu-HU" dirty="0"/>
+              <a:t> 0; }</a:t>
+            </a:r>
+          </a:p>
+          <a:p>
+            <a:pPr marL="0" indent="0">
+              <a:buNone/>
+            </a:pPr>
+            <a:r>
+              <a:rPr lang="hu-HU" dirty="0"/>
+              <a:t>    }</a:t>
+            </a:r>
+          </a:p>
+          <a:p>
+            <a:pPr marL="0" indent="0">
+              <a:buNone/>
+            </a:pPr>
+            <a:r>
+              <a:rPr lang="hu-HU" dirty="0"/>
+              <a:t>}</a:t>
             </a:r>
           </a:p>
         </p:txBody>
@@ -7268,7 +8125,7 @@
     </p:spTree>
     <p:extLst>
       <p:ext uri="{BB962C8B-B14F-4D97-AF65-F5344CB8AC3E}">
-        <p14:creationId xmlns:p14="http://schemas.microsoft.com/office/powerpoint/2010/main" val="255677299"/>
+        <p14:creationId xmlns:p14="http://schemas.microsoft.com/office/powerpoint/2010/main" val="2429642171"/>
       </p:ext>
     </p:extLst>
   </p:cSld>
@@ -7300,7 +8157,7 @@
           <p:cNvPr id="2" name="Cím 1">
             <a:extLst>
               <a:ext uri="{FF2B5EF4-FFF2-40B4-BE49-F238E27FC236}">
-                <a16:creationId xmlns:a16="http://schemas.microsoft.com/office/drawing/2014/main" id="{F7DCE3F5-1304-6932-30D4-65C8FDF8BC8C}"/>
+                <a16:creationId xmlns:a16="http://schemas.microsoft.com/office/drawing/2014/main" id="{C83241ED-2709-9BF5-8EF7-32A95C444EB5}"/>
               </a:ext>
             </a:extLst>
           </p:cNvPr>
@@ -7318,93 +8175,71 @@
           <a:p>
             <a:r>
               <a:rPr lang="hu-HU" dirty="0"/>
-              <a:t>Öröklődés Jellemzői</a:t>
-            </a:r>
-          </a:p>
-        </p:txBody>
-      </p:sp>
-      <p:sp>
-        <p:nvSpPr>
-          <p:cNvPr id="3" name="Tartalom helye 2">
+              <a:t>Láthatóság</a:t>
+            </a:r>
+          </a:p>
+        </p:txBody>
+      </p:sp>
+      <p:pic>
+        <p:nvPicPr>
+          <p:cNvPr id="5" name="Tartalom helye 4">
             <a:extLst>
               <a:ext uri="{FF2B5EF4-FFF2-40B4-BE49-F238E27FC236}">
-                <a16:creationId xmlns:a16="http://schemas.microsoft.com/office/drawing/2014/main" id="{DD39D240-77D5-C0D8-2806-A9FB053010C7}"/>
+                <a16:creationId xmlns:a16="http://schemas.microsoft.com/office/drawing/2014/main" id="{B72A56AE-7EE1-24A3-036F-5566454FDF9D}"/>
               </a:ext>
             </a:extLst>
           </p:cNvPr>
-          <p:cNvSpPr>
-            <a:spLocks noGrp="1"/>
-          </p:cNvSpPr>
+          <p:cNvPicPr>
+            <a:picLocks noGrp="1" noChangeAspect="1"/>
+          </p:cNvPicPr>
           <p:nvPr>
             <p:ph idx="1"/>
           </p:nvPr>
-        </p:nvSpPr>
+        </p:nvPicPr>
+        <p:blipFill>
+          <a:blip r:embed="rId2"/>
+          <a:stretch>
+            <a:fillRect/>
+          </a:stretch>
+        </p:blipFill>
         <p:spPr>
           <a:xfrm>
-            <a:off x="685800" y="2012950"/>
-            <a:ext cx="10820400" cy="4205735"/>
+            <a:off x="2510940" y="4533020"/>
+            <a:ext cx="6954220" cy="1238423"/>
           </a:xfrm>
         </p:spPr>
-        <p:txBody>
-          <a:bodyPr>
-            <a:normAutofit/>
+      </p:pic>
+      <p:sp>
+        <p:nvSpPr>
+          <p:cNvPr id="6" name="Szövegdoboz 5">
+            <a:extLst>
+              <a:ext uri="{FF2B5EF4-FFF2-40B4-BE49-F238E27FC236}">
+                <a16:creationId xmlns:a16="http://schemas.microsoft.com/office/drawing/2014/main" id="{1EB4ACA4-72DD-B3F0-A6BE-195A4A418507}"/>
+              </a:ext>
+            </a:extLst>
+          </p:cNvPr>
+          <p:cNvSpPr txBox="1"/>
+          <p:nvPr/>
+        </p:nvSpPr>
+        <p:spPr>
+          <a:xfrm>
+            <a:off x="2618890" y="2828835"/>
+            <a:ext cx="6846270" cy="1200329"/>
+          </a:xfrm>
+          <a:prstGeom prst="rect">
+            <a:avLst/>
+          </a:prstGeom>
+          <a:noFill/>
+        </p:spPr>
+        <p:txBody>
+          <a:bodyPr wrap="square" rtlCol="0">
+            <a:spAutoFit/>
           </a:bodyPr>
           <a:lstStyle/>
           <a:p>
             <a:r>
               <a:rPr lang="hu-HU" dirty="0"/>
-              <a:t>Az öröklődés lehetővé teszi, hogy egy osztály (gyermekosztály) átvegye egy másik osztály (szülőosztály) tulajdonságait és metódusait.</a:t>
-            </a:r>
-          </a:p>
-          <a:p>
-            <a:endParaRPr lang="hu-HU" dirty="0"/>
-          </a:p>
-          <a:p>
-            <a:r>
-              <a:rPr lang="hu-HU" b="1" dirty="0"/>
-              <a:t>Kód újrahasznosítás</a:t>
-            </a:r>
-            <a:r>
-              <a:rPr lang="hu-HU" dirty="0"/>
-              <a:t> – Nem kell újraírni azokat a metódusokat, amelyeket egy másik osztály már definiált.</a:t>
-            </a:r>
-          </a:p>
-          <a:p>
-            <a:r>
-              <a:rPr lang="hu-HU" b="1" dirty="0"/>
-              <a:t>Egyszerűbb karbantartás</a:t>
-            </a:r>
-            <a:r>
-              <a:rPr lang="hu-HU" dirty="0"/>
-              <a:t> – Ha a szülőosztályban módosítunk valamit, az minden örökölt osztályban érvényes lesz.</a:t>
-            </a:r>
-          </a:p>
-          <a:p>
-            <a:r>
-              <a:rPr lang="hu-HU" b="1" dirty="0"/>
-              <a:t>Felüldefiniálás (</a:t>
-            </a:r>
-            <a:r>
-              <a:rPr lang="hu-HU" b="1" dirty="0" err="1"/>
-              <a:t>Override</a:t>
-            </a:r>
-            <a:r>
-              <a:rPr lang="hu-HU" b="1" dirty="0"/>
-              <a:t>)</a:t>
-            </a:r>
-            <a:r>
-              <a:rPr lang="hu-HU" dirty="0"/>
-              <a:t> – Az alosztály módosíthatja az örökölt metódusok működését.</a:t>
-            </a:r>
-          </a:p>
-          <a:p>
-            <a:r>
-              <a:rPr lang="hu-HU" b="1" dirty="0"/>
-              <a:t>Többszörös öröklődés</a:t>
-            </a:r>
-            <a:r>
-              <a:rPr lang="hu-HU" dirty="0"/>
-              <a:t> (nem minden programozási nyelv támogatja) – Egy osztály több szülőosztálytól is örökölhet.</a:t>
+              <a:t>A láthatóság fontos az objektumorientált programozásban (OOP), mert segít az adatok védelmében, az osztályok közötti megfelelő kapcsolat kialakításában, és jobb kódstruktúrát biztosít.</a:t>
             </a:r>
           </a:p>
         </p:txBody>
@@ -7412,7 +8247,7 @@
     </p:spTree>
     <p:extLst>
       <p:ext uri="{BB962C8B-B14F-4D97-AF65-F5344CB8AC3E}">
-        <p14:creationId xmlns:p14="http://schemas.microsoft.com/office/powerpoint/2010/main" val="2184568072"/>
+        <p14:creationId xmlns:p14="http://schemas.microsoft.com/office/powerpoint/2010/main" val="255677299"/>
       </p:ext>
     </p:extLst>
   </p:cSld>
@@ -7444,7 +8279,7 @@
           <p:cNvPr id="2" name="Cím 1">
             <a:extLst>
               <a:ext uri="{FF2B5EF4-FFF2-40B4-BE49-F238E27FC236}">
-                <a16:creationId xmlns:a16="http://schemas.microsoft.com/office/drawing/2014/main" id="{9A421C4D-5969-0E6D-167A-604755D71A6E}"/>
+                <a16:creationId xmlns:a16="http://schemas.microsoft.com/office/drawing/2014/main" id="{F7DCE3F5-1304-6932-30D4-65C8FDF8BC8C}"/>
               </a:ext>
             </a:extLst>
           </p:cNvPr>
@@ -7462,7 +8297,7 @@
           <a:p>
             <a:r>
               <a:rPr lang="hu-HU" dirty="0"/>
-              <a:t>Öröklődés Példa</a:t>
+              <a:t>Öröklődés Jellemzői</a:t>
             </a:r>
           </a:p>
         </p:txBody>
@@ -7472,7 +8307,7 @@
           <p:cNvPr id="3" name="Tartalom helye 2">
             <a:extLst>
               <a:ext uri="{FF2B5EF4-FFF2-40B4-BE49-F238E27FC236}">
-                <a16:creationId xmlns:a16="http://schemas.microsoft.com/office/drawing/2014/main" id="{043C978D-08A3-1A9B-C232-AA57747C3454}"/>
+                <a16:creationId xmlns:a16="http://schemas.microsoft.com/office/drawing/2014/main" id="{DD39D240-77D5-C0D8-2806-A9FB053010C7}"/>
               </a:ext>
             </a:extLst>
           </p:cNvPr>
@@ -7485,259 +8320,70 @@
         </p:nvSpPr>
         <p:spPr>
           <a:xfrm>
-            <a:off x="190500" y="2194560"/>
-            <a:ext cx="11811000" cy="4024125"/>
+            <a:off x="685800" y="2012950"/>
+            <a:ext cx="10820400" cy="4205735"/>
           </a:xfrm>
         </p:spPr>
         <p:txBody>
           <a:bodyPr>
-            <a:normAutofit fontScale="92500"/>
+            <a:normAutofit/>
           </a:bodyPr>
           <a:lstStyle/>
           <a:p>
             <a:r>
               <a:rPr lang="hu-HU" dirty="0"/>
-              <a:t> </a:t>
-            </a:r>
-            <a:r>
-              <a:rPr lang="hu-HU" dirty="0" err="1"/>
-              <a:t>class</a:t>
-            </a:r>
-            <a:r>
-              <a:rPr lang="hu-HU" dirty="0"/>
-              <a:t> </a:t>
-            </a:r>
-            <a:r>
-              <a:rPr lang="hu-HU" dirty="0" err="1"/>
-              <a:t>Negyzet:Teglalap</a:t>
-            </a:r>
-            <a:r>
-              <a:rPr lang="hu-HU" dirty="0"/>
-              <a:t> //Öröklődési kapcsolat </a:t>
-            </a:r>
-            <a:r>
-              <a:rPr lang="hu-HU" dirty="0" err="1"/>
-              <a:t>létrehozássa</a:t>
-            </a:r>
+              <a:t>Az öröklődés lehetővé teszi, hogy egy osztály (gyermekosztály) átvegye egy másik osztály (szülőosztály) tulajdonságait és metódusait.</a:t>
+            </a:r>
+          </a:p>
+          <a:p>
             <a:endParaRPr lang="hu-HU" dirty="0"/>
           </a:p>
           <a:p>
             <a:r>
-              <a:rPr lang="hu-HU" dirty="0"/>
-              <a:t>    {</a:t>
-            </a:r>
-          </a:p>
-          <a:p>
-            <a:r>
-              <a:rPr lang="hu-HU" dirty="0"/>
-              <a:t>        </a:t>
-            </a:r>
-            <a:r>
-              <a:rPr lang="hu-HU" dirty="0" err="1"/>
-              <a:t>public</a:t>
-            </a:r>
-            <a:r>
-              <a:rPr lang="hu-HU" dirty="0"/>
-              <a:t> </a:t>
-            </a:r>
-            <a:r>
-              <a:rPr lang="hu-HU" dirty="0" err="1"/>
-              <a:t>double</a:t>
-            </a:r>
-            <a:r>
-              <a:rPr lang="hu-HU" dirty="0"/>
-              <a:t>  </a:t>
-            </a:r>
-            <a:r>
-              <a:rPr lang="hu-HU" dirty="0" err="1"/>
-              <a:t>negyzet_magasag</a:t>
-            </a:r>
-            <a:r>
-              <a:rPr lang="hu-HU" dirty="0"/>
-              <a:t>{ </a:t>
-            </a:r>
-            <a:r>
-              <a:rPr lang="hu-HU" dirty="0" err="1"/>
-              <a:t>get</a:t>
-            </a:r>
-            <a:r>
-              <a:rPr lang="hu-HU" dirty="0"/>
-              <a:t> =&gt; </a:t>
-            </a:r>
-            <a:r>
-              <a:rPr lang="hu-HU" dirty="0" err="1"/>
-              <a:t>Teglalap_magassag</a:t>
-            </a:r>
-            <a:r>
-              <a:rPr lang="hu-HU" dirty="0"/>
-              <a:t>; }</a:t>
-            </a:r>
-          </a:p>
-          <a:p>
-            <a:r>
-              <a:rPr lang="hu-HU" dirty="0"/>
-              <a:t>        </a:t>
-            </a:r>
-            <a:r>
-              <a:rPr lang="hu-HU" dirty="0" err="1"/>
-              <a:t>public</a:t>
-            </a:r>
-            <a:r>
-              <a:rPr lang="hu-HU" dirty="0"/>
-              <a:t> </a:t>
-            </a:r>
-            <a:r>
-              <a:rPr lang="hu-HU" dirty="0" err="1"/>
-              <a:t>double</a:t>
-            </a:r>
-            <a:r>
-              <a:rPr lang="hu-HU" dirty="0"/>
-              <a:t> </a:t>
-            </a:r>
-            <a:r>
-              <a:rPr lang="hu-HU" dirty="0" err="1"/>
-              <a:t>negyzet_szeleseg</a:t>
-            </a:r>
-            <a:r>
-              <a:rPr lang="hu-HU" dirty="0"/>
-              <a:t> { </a:t>
-            </a:r>
-            <a:r>
-              <a:rPr lang="hu-HU" dirty="0" err="1"/>
-              <a:t>get</a:t>
-            </a:r>
-            <a:r>
-              <a:rPr lang="hu-HU" dirty="0"/>
-              <a:t> =&gt; </a:t>
-            </a:r>
-            <a:r>
-              <a:rPr lang="hu-HU" dirty="0" err="1"/>
-              <a:t>Teglalap_szeleseg</a:t>
-            </a:r>
-            <a:r>
-              <a:rPr lang="hu-HU" dirty="0"/>
-              <a:t>; }</a:t>
-            </a:r>
-          </a:p>
-          <a:p>
-            <a:endParaRPr lang="hu-HU" dirty="0"/>
-          </a:p>
-          <a:p>
-            <a:r>
-              <a:rPr lang="hu-HU" dirty="0"/>
-              <a:t>        </a:t>
-            </a:r>
-            <a:r>
-              <a:rPr lang="hu-HU" dirty="0" err="1"/>
-              <a:t>public</a:t>
-            </a:r>
-            <a:r>
-              <a:rPr lang="hu-HU" dirty="0"/>
-              <a:t> </a:t>
-            </a:r>
-            <a:r>
-              <a:rPr lang="hu-HU" dirty="0" err="1"/>
-              <a:t>Negyzet</a:t>
-            </a:r>
-            <a:r>
-              <a:rPr lang="hu-HU" dirty="0"/>
-              <a:t>(</a:t>
-            </a:r>
-            <a:r>
-              <a:rPr lang="hu-HU" dirty="0" err="1"/>
-              <a:t>string</a:t>
-            </a:r>
-            <a:r>
-              <a:rPr lang="hu-HU" dirty="0"/>
-              <a:t> </a:t>
-            </a:r>
-            <a:r>
-              <a:rPr lang="hu-HU" dirty="0" err="1"/>
-              <a:t>szin</a:t>
-            </a:r>
-            <a:r>
-              <a:rPr lang="hu-HU" dirty="0"/>
-              <a:t>, </a:t>
-            </a:r>
-            <a:r>
-              <a:rPr lang="hu-HU" dirty="0" err="1"/>
-              <a:t>double</a:t>
-            </a:r>
-            <a:r>
-              <a:rPr lang="hu-HU" dirty="0"/>
-              <a:t> </a:t>
-            </a:r>
-            <a:r>
-              <a:rPr lang="hu-HU" dirty="0" err="1"/>
-              <a:t>magasag</a:t>
-            </a:r>
-            <a:r>
-              <a:rPr lang="hu-HU" dirty="0"/>
-              <a:t>, </a:t>
-            </a:r>
-            <a:r>
-              <a:rPr lang="hu-HU" dirty="0" err="1"/>
-              <a:t>double</a:t>
-            </a:r>
-            <a:r>
-              <a:rPr lang="hu-HU" dirty="0"/>
-              <a:t> </a:t>
-            </a:r>
-            <a:r>
-              <a:rPr lang="hu-HU" dirty="0" err="1"/>
-              <a:t>szeleseg</a:t>
-            </a:r>
-            <a:r>
-              <a:rPr lang="hu-HU" dirty="0"/>
-              <a:t>) :</a:t>
-            </a:r>
-            <a:r>
-              <a:rPr lang="hu-HU" dirty="0" err="1"/>
-              <a:t>base</a:t>
-            </a:r>
-            <a:r>
-              <a:rPr lang="hu-HU" dirty="0"/>
-              <a:t>(</a:t>
-            </a:r>
-            <a:r>
-              <a:rPr lang="hu-HU" dirty="0" err="1"/>
-              <a:t>szin,magasag,szeleseg</a:t>
-            </a:r>
-            <a:r>
-              <a:rPr lang="hu-HU" dirty="0"/>
-              <a:t>)//</a:t>
-            </a:r>
-            <a:r>
-              <a:rPr lang="hu-HU" dirty="0" err="1"/>
-              <a:t>base</a:t>
-            </a:r>
-            <a:r>
-              <a:rPr lang="hu-HU"/>
-              <a:t> szükséges </a:t>
-            </a:r>
-            <a:r>
-              <a:rPr lang="hu-HU" dirty="0"/>
-              <a:t>adatok küldése az ősosztály </a:t>
-            </a:r>
-            <a:r>
-              <a:rPr lang="hu-HU" dirty="0" err="1"/>
-              <a:t>konstrukorának</a:t>
-            </a:r>
-            <a:endParaRPr lang="hu-HU" sz="1700" dirty="0"/>
-          </a:p>
-          <a:p>
-            <a:r>
-              <a:rPr lang="hu-HU" dirty="0"/>
-              <a:t>        {</a:t>
-            </a:r>
-          </a:p>
-          <a:p>
-            <a:endParaRPr lang="hu-HU" dirty="0"/>
-          </a:p>
-          <a:p>
-            <a:r>
-              <a:rPr lang="hu-HU" dirty="0"/>
-              <a:t>        }</a:t>
+              <a:rPr lang="hu-HU" b="1" dirty="0"/>
+              <a:t>Kód újrahasznosítás</a:t>
+            </a:r>
+            <a:r>
+              <a:rPr lang="hu-HU" dirty="0"/>
+              <a:t> – Nem kell újraírni azokat a metódusokat, amelyeket egy másik osztály már definiált.</a:t>
+            </a:r>
+          </a:p>
+          <a:p>
+            <a:r>
+              <a:rPr lang="hu-HU" b="1" dirty="0"/>
+              <a:t>Egyszerűbb karbantartás</a:t>
+            </a:r>
+            <a:r>
+              <a:rPr lang="hu-HU" dirty="0"/>
+              <a:t> – Ha a szülőosztályban módosítunk valamit, az minden örökölt osztályban érvényes lesz.</a:t>
+            </a:r>
+          </a:p>
+          <a:p>
+            <a:r>
+              <a:rPr lang="hu-HU" b="1" dirty="0"/>
+              <a:t>Felüldefiniálás (</a:t>
+            </a:r>
+            <a:r>
+              <a:rPr lang="hu-HU" b="1" dirty="0" err="1"/>
+              <a:t>Override</a:t>
+            </a:r>
+            <a:r>
+              <a:rPr lang="hu-HU" b="1" dirty="0"/>
+              <a:t>)</a:t>
+            </a:r>
+            <a:r>
+              <a:rPr lang="hu-HU" dirty="0"/>
+              <a:t> – Az alosztály módosíthatja az örökölt metódusok működését.</a:t>
+            </a:r>
+          </a:p>
+          <a:p>
+            <a:r>
+              <a:rPr lang="hu-HU" b="1" dirty="0"/>
+              <a:t>Többszörös öröklődés</a:t>
+            </a:r>
+            <a:r>
+              <a:rPr lang="hu-HU" dirty="0"/>
+              <a:t> (nem minden programozási nyelv támogatja) – Egy osztály több szülőosztálytól is örökölhet.</a:t>
             </a:r>
           </a:p>
         </p:txBody>
@@ -7745,7 +8391,7 @@
     </p:spTree>
     <p:extLst>
       <p:ext uri="{BB962C8B-B14F-4D97-AF65-F5344CB8AC3E}">
-        <p14:creationId xmlns:p14="http://schemas.microsoft.com/office/powerpoint/2010/main" val="3288026944"/>
+        <p14:creationId xmlns:p14="http://schemas.microsoft.com/office/powerpoint/2010/main" val="2184568072"/>
       </p:ext>
     </p:extLst>
   </p:cSld>
